--- a/wd/深度优先搜索及其优化.pptx
+++ b/wd/深度优先搜索及其优化.pptx
@@ -26,11 +26,13 @@
     <p:sldId id="312" r:id="rId20"/>
     <p:sldId id="313" r:id="rId21"/>
     <p:sldId id="314" r:id="rId22"/>
-    <p:sldId id="315" r:id="rId23"/>
-    <p:sldId id="316" r:id="rId24"/>
-    <p:sldId id="320" r:id="rId25"/>
-    <p:sldId id="321" r:id="rId26"/>
-    <p:sldId id="325" r:id="rId27"/>
+    <p:sldId id="326" r:id="rId23"/>
+    <p:sldId id="327" r:id="rId24"/>
+    <p:sldId id="315" r:id="rId25"/>
+    <p:sldId id="316" r:id="rId26"/>
+    <p:sldId id="320" r:id="rId27"/>
+    <p:sldId id="321" r:id="rId28"/>
+    <p:sldId id="325" r:id="rId29"/>
   </p:sldIdLst>
   <p:sldSz cx="12192000" cy="6858000"/>
   <p:notesSz cx="6858000" cy="9144000"/>
@@ -280,7 +282,7 @@
           <a:p>
             <a:fld id="{BB7D2888-8C8F-4C2C-AA0A-D0307A3F1B58}" type="datetimeFigureOut">
               <a:rPr lang="zh-CN" altLang="en-US" smtClean="0"/>
-              <a:t>2024/7/8</a:t>
+              <a:t>2024/7/9</a:t>
             </a:fld>
             <a:endParaRPr lang="zh-CN" altLang="en-US"/>
           </a:p>
@@ -644,7 +646,7 @@
           <a:p>
             <a:fld id="{BB7D2888-8C8F-4C2C-AA0A-D0307A3F1B58}" type="datetimeFigureOut">
               <a:rPr lang="zh-CN" altLang="en-US" smtClean="0"/>
-              <a:t>2024/7/8</a:t>
+              <a:t>2024/7/9</a:t>
             </a:fld>
             <a:endParaRPr lang="zh-CN" altLang="en-US"/>
           </a:p>
@@ -824,7 +826,7 @@
           <a:p>
             <a:fld id="{BB7D2888-8C8F-4C2C-AA0A-D0307A3F1B58}" type="datetimeFigureOut">
               <a:rPr lang="zh-CN" altLang="en-US" smtClean="0"/>
-              <a:t>2024/7/8</a:t>
+              <a:t>2024/7/9</a:t>
             </a:fld>
             <a:endParaRPr lang="zh-CN" altLang="en-US"/>
           </a:p>
@@ -1064,7 +1066,7 @@
           <a:p>
             <a:fld id="{BB7D2888-8C8F-4C2C-AA0A-D0307A3F1B58}" type="datetimeFigureOut">
               <a:rPr lang="zh-CN" altLang="en-US" smtClean="0"/>
-              <a:t>2024/7/8</a:t>
+              <a:t>2024/7/9</a:t>
             </a:fld>
             <a:endParaRPr lang="zh-CN" altLang="en-US"/>
           </a:p>
@@ -1338,7 +1340,7 @@
           <a:p>
             <a:fld id="{BB7D2888-8C8F-4C2C-AA0A-D0307A3F1B58}" type="datetimeFigureOut">
               <a:rPr lang="zh-CN" altLang="en-US" smtClean="0"/>
-              <a:t>2024/7/8</a:t>
+              <a:t>2024/7/9</a:t>
             </a:fld>
             <a:endParaRPr lang="zh-CN" altLang="en-US"/>
           </a:p>
@@ -1563,7 +1565,7 @@
           <a:p>
             <a:fld id="{BB7D2888-8C8F-4C2C-AA0A-D0307A3F1B58}" type="datetimeFigureOut">
               <a:rPr lang="zh-CN" altLang="en-US" smtClean="0"/>
-              <a:t>2024/7/8</a:t>
+              <a:t>2024/7/9</a:t>
             </a:fld>
             <a:endParaRPr lang="zh-CN" altLang="en-US"/>
           </a:p>
@@ -1920,7 +1922,7 @@
           <a:p>
             <a:fld id="{BB7D2888-8C8F-4C2C-AA0A-D0307A3F1B58}" type="datetimeFigureOut">
               <a:rPr lang="zh-CN" altLang="en-US" smtClean="0"/>
-              <a:t>2024/7/8</a:t>
+              <a:t>2024/7/9</a:t>
             </a:fld>
             <a:endParaRPr lang="zh-CN" altLang="en-US"/>
           </a:p>
@@ -2157,7 +2159,7 @@
           <a:p>
             <a:fld id="{BB7D2888-8C8F-4C2C-AA0A-D0307A3F1B58}" type="datetimeFigureOut">
               <a:rPr lang="zh-CN" altLang="en-US" smtClean="0"/>
-              <a:t>2024/7/8</a:t>
+              <a:t>2024/7/9</a:t>
             </a:fld>
             <a:endParaRPr lang="zh-CN" altLang="en-US"/>
           </a:p>
@@ -2302,7 +2304,7 @@
           <a:p>
             <a:fld id="{BB7D2888-8C8F-4C2C-AA0A-D0307A3F1B58}" type="datetimeFigureOut">
               <a:rPr lang="zh-CN" altLang="en-US" smtClean="0"/>
-              <a:t>2024/7/8</a:t>
+              <a:t>2024/7/9</a:t>
             </a:fld>
             <a:endParaRPr lang="zh-CN" altLang="en-US"/>
           </a:p>
@@ -2584,7 +2586,7 @@
           <a:p>
             <a:fld id="{BB7D2888-8C8F-4C2C-AA0A-D0307A3F1B58}" type="datetimeFigureOut">
               <a:rPr lang="zh-CN" altLang="en-US" smtClean="0"/>
-              <a:t>2024/7/8</a:t>
+              <a:t>2024/7/9</a:t>
             </a:fld>
             <a:endParaRPr lang="zh-CN" altLang="en-US"/>
           </a:p>
@@ -2996,7 +2998,7 @@
           <a:p>
             <a:fld id="{BB7D2888-8C8F-4C2C-AA0A-D0307A3F1B58}" type="datetimeFigureOut">
               <a:rPr lang="zh-CN" altLang="en-US" smtClean="0"/>
-              <a:t>2024/7/8</a:t>
+              <a:t>2024/7/9</a:t>
             </a:fld>
             <a:endParaRPr lang="zh-CN" altLang="en-US"/>
           </a:p>
@@ -3339,7 +3341,7 @@
           <a:p>
             <a:fld id="{BB7D2888-8C8F-4C2C-AA0A-D0307A3F1B58}" type="datetimeFigureOut">
               <a:rPr lang="zh-CN" altLang="en-US" smtClean="0"/>
-              <a:t>2024/7/8</a:t>
+              <a:t>2024/7/9</a:t>
             </a:fld>
             <a:endParaRPr lang="zh-CN" altLang="en-US"/>
           </a:p>
@@ -8021,6 +8023,105 @@
                       </p:childTnLst>
                     </p:cTn>
                   </p:par>
+                  <p:par>
+                    <p:cTn id="24" fill="hold">
+                      <p:stCondLst>
+                        <p:cond delay="indefinite"/>
+                      </p:stCondLst>
+                      <p:childTnLst>
+                        <p:par>
+                          <p:cTn id="25" fill="hold">
+                            <p:stCondLst>
+                              <p:cond delay="0"/>
+                            </p:stCondLst>
+                            <p:childTnLst>
+                              <p:par>
+                                <p:cTn id="26" presetID="42" presetClass="entr" presetSubtype="0" fill="hold" nodeType="clickEffect">
+                                  <p:stCondLst>
+                                    <p:cond delay="0"/>
+                                  </p:stCondLst>
+                                  <p:childTnLst>
+                                    <p:set>
+                                      <p:cBhvr>
+                                        <p:cTn id="27" dur="1" fill="hold">
+                                          <p:stCondLst>
+                                            <p:cond delay="0"/>
+                                          </p:stCondLst>
+                                        </p:cTn>
+                                        <p:tgtEl>
+                                          <p:spTgt spid="5"/>
+                                        </p:tgtEl>
+                                        <p:attrNameLst>
+                                          <p:attrName>style.visibility</p:attrName>
+                                        </p:attrNameLst>
+                                      </p:cBhvr>
+                                      <p:to>
+                                        <p:strVal val="visible"/>
+                                      </p:to>
+                                    </p:set>
+                                    <p:animEffect transition="in" filter="fade">
+                                      <p:cBhvr>
+                                        <p:cTn id="28" dur="1000"/>
+                                        <p:tgtEl>
+                                          <p:spTgt spid="5"/>
+                                        </p:tgtEl>
+                                      </p:cBhvr>
+                                    </p:animEffect>
+                                    <p:anim calcmode="lin" valueType="num">
+                                      <p:cBhvr>
+                                        <p:cTn id="29" dur="1000" fill="hold"/>
+                                        <p:tgtEl>
+                                          <p:spTgt spid="5"/>
+                                        </p:tgtEl>
+                                        <p:attrNameLst>
+                                          <p:attrName>ppt_x</p:attrName>
+                                        </p:attrNameLst>
+                                      </p:cBhvr>
+                                      <p:tavLst>
+                                        <p:tav tm="0">
+                                          <p:val>
+                                            <p:strVal val="#ppt_x"/>
+                                          </p:val>
+                                        </p:tav>
+                                        <p:tav tm="100000">
+                                          <p:val>
+                                            <p:strVal val="#ppt_x"/>
+                                          </p:val>
+                                        </p:tav>
+                                      </p:tavLst>
+                                    </p:anim>
+                                    <p:anim calcmode="lin" valueType="num">
+                                      <p:cBhvr>
+                                        <p:cTn id="30" dur="1000" fill="hold"/>
+                                        <p:tgtEl>
+                                          <p:spTgt spid="5"/>
+                                        </p:tgtEl>
+                                        <p:attrNameLst>
+                                          <p:attrName>ppt_y</p:attrName>
+                                        </p:attrNameLst>
+                                      </p:cBhvr>
+                                      <p:tavLst>
+                                        <p:tav tm="0">
+                                          <p:val>
+                                            <p:strVal val="#ppt_y+.1"/>
+                                          </p:val>
+                                        </p:tav>
+                                        <p:tav tm="100000">
+                                          <p:val>
+                                            <p:strVal val="#ppt_y"/>
+                                          </p:val>
+                                        </p:tav>
+                                      </p:tavLst>
+                                    </p:anim>
+                                  </p:childTnLst>
+                                </p:cTn>
+                              </p:par>
+                            </p:childTnLst>
+                          </p:cTn>
+                        </p:par>
+                      </p:childTnLst>
+                    </p:cTn>
+                  </p:par>
                 </p:childTnLst>
               </p:cTn>
               <p:prevCondLst>
@@ -8582,6 +8683,87 @@
                                   </p:childTnLst>
                                 </p:cTn>
                               </p:par>
+                              <p:par>
+                                <p:cTn id="24" presetID="42" presetClass="entr" presetSubtype="0" fill="hold" nodeType="withEffect">
+                                  <p:stCondLst>
+                                    <p:cond delay="0"/>
+                                  </p:stCondLst>
+                                  <p:childTnLst>
+                                    <p:set>
+                                      <p:cBhvr>
+                                        <p:cTn id="25" dur="1" fill="hold">
+                                          <p:stCondLst>
+                                            <p:cond delay="0"/>
+                                          </p:stCondLst>
+                                        </p:cTn>
+                                        <p:tgtEl>
+                                          <p:spTgt spid="5"/>
+                                        </p:tgtEl>
+                                        <p:attrNameLst>
+                                          <p:attrName>style.visibility</p:attrName>
+                                        </p:attrNameLst>
+                                      </p:cBhvr>
+                                      <p:to>
+                                        <p:strVal val="visible"/>
+                                      </p:to>
+                                    </p:set>
+                                    <p:animEffect transition="in" filter="fade">
+                                      <p:cBhvr>
+                                        <p:cTn id="26" dur="1000"/>
+                                        <p:tgtEl>
+                                          <p:spTgt spid="5"/>
+                                        </p:tgtEl>
+                                      </p:cBhvr>
+                                    </p:animEffect>
+                                    <p:anim calcmode="lin" valueType="num">
+                                      <p:cBhvr>
+                                        <p:cTn id="27" dur="1000" fill="hold"/>
+                                        <p:tgtEl>
+                                          <p:spTgt spid="5"/>
+                                        </p:tgtEl>
+                                        <p:attrNameLst>
+                                          <p:attrName>ppt_x</p:attrName>
+                                        </p:attrNameLst>
+                                      </p:cBhvr>
+                                      <p:tavLst>
+                                        <p:tav tm="0">
+                                          <p:val>
+                                            <p:strVal val="#ppt_x"/>
+                                          </p:val>
+                                        </p:tav>
+                                        <p:tav tm="100000">
+                                          <p:val>
+                                            <p:strVal val="#ppt_x"/>
+                                          </p:val>
+                                        </p:tav>
+                                      </p:tavLst>
+                                    </p:anim>
+                                    <p:anim calcmode="lin" valueType="num">
+                                      <p:cBhvr>
+                                        <p:cTn id="28" dur="1000" fill="hold"/>
+                                        <p:tgtEl>
+                                          <p:spTgt spid="5"/>
+                                        </p:tgtEl>
+                                        <p:attrNameLst>
+                                          <p:attrName>ppt_y</p:attrName>
+                                        </p:attrNameLst>
+                                      </p:cBhvr>
+                                      <p:tavLst>
+                                        <p:tav tm="0">
+                                          <p:val>
+                                            <p:strVal val="#ppt_y+.1"/>
+                                          </p:val>
+                                        </p:tav>
+                                        <p:tav tm="100000">
+                                          <p:val>
+                                            <p:strVal val="#ppt_y"/>
+                                          </p:val>
+                                        </p:tav>
+                                      </p:tavLst>
+                                    </p:anim>
+                                  </p:childTnLst>
+                                </p:cTn>
+                              </p:par>
                             </p:childTnLst>
                           </p:cTn>
                         </p:par>
@@ -8610,7 +8792,7 @@
       </p:par>
     </p:tnLst>
     <p:bldLst>
-      <p:bldP spid="3" grpId="0" uiExpand="1" build="p"/>
+      <p:bldP spid="3" grpId="0" build="p"/>
     </p:bldLst>
   </p:timing>
 </p:sld>
@@ -11718,8 +11900,8 @@
           </a:p>
         </p:txBody>
       </p:sp>
-      <mc:AlternateContent xmlns:mc="http://schemas.openxmlformats.org/markup-compatibility/2006">
-        <mc:Choice xmlns:a14="http://schemas.microsoft.com/office/drawing/2010/main" Requires="a14">
+      <mc:AlternateContent xmlns:mc="http://schemas.openxmlformats.org/markup-compatibility/2006" xmlns:a14="http://schemas.microsoft.com/office/drawing/2010/main">
+        <mc:Choice Requires="a14">
           <p:sp>
             <p:nvSpPr>
               <p:cNvPr id="3" name="内容占位符 2">
@@ -12278,7 +12460,7 @@
             </p:txBody>
           </p:sp>
         </mc:Choice>
-        <mc:Fallback>
+        <mc:Fallback xmlns="">
           <p:sp>
             <p:nvSpPr>
               <p:cNvPr id="3" name="内容占位符 2">
@@ -12507,11 +12689,7 @@
                                           </p:stCondLst>
                                         </p:cTn>
                                         <p:tgtEl>
-                                          <p:spTgt spid="3">
-                                            <p:txEl>
-                                              <p:pRg st="5" end="5"/>
-                                            </p:txEl>
-                                          </p:spTgt>
+                                          <p:spTgt spid="5"/>
                                         </p:tgtEl>
                                         <p:attrNameLst>
                                           <p:attrName>style.visibility</p:attrName>
@@ -12525,11 +12703,7 @@
                                       <p:cBhvr>
                                         <p:cTn id="14" dur="1000"/>
                                         <p:tgtEl>
-                                          <p:spTgt spid="3">
-                                            <p:txEl>
-                                              <p:pRg st="5" end="5"/>
-                                            </p:txEl>
-                                          </p:spTgt>
+                                          <p:spTgt spid="5"/>
                                         </p:tgtEl>
                                       </p:cBhvr>
                                     </p:animEffect>
@@ -12537,11 +12711,7 @@
                                       <p:cBhvr>
                                         <p:cTn id="15" dur="1000" fill="hold"/>
                                         <p:tgtEl>
-                                          <p:spTgt spid="3">
-                                            <p:txEl>
-                                              <p:pRg st="5" end="5"/>
-                                            </p:txEl>
-                                          </p:spTgt>
+                                          <p:spTgt spid="5"/>
                                         </p:tgtEl>
                                         <p:attrNameLst>
                                           <p:attrName>ppt_x</p:attrName>
@@ -12564,11 +12734,7 @@
                                       <p:cBhvr>
                                         <p:cTn id="16" dur="1000" fill="hold"/>
                                         <p:tgtEl>
-                                          <p:spTgt spid="3">
-                                            <p:txEl>
-                                              <p:pRg st="5" end="5"/>
-                                            </p:txEl>
-                                          </p:spTgt>
+                                          <p:spTgt spid="5"/>
                                         </p:tgtEl>
                                         <p:attrNameLst>
                                           <p:attrName>ppt_y</p:attrName>
@@ -12624,7 +12790,7 @@
                                         <p:tgtEl>
                                           <p:spTgt spid="3">
                                             <p:txEl>
-                                              <p:pRg st="6" end="6"/>
+                                              <p:pRg st="5" end="5"/>
                                             </p:txEl>
                                           </p:spTgt>
                                         </p:tgtEl>
@@ -12642,7 +12808,7 @@
                                         <p:tgtEl>
                                           <p:spTgt spid="3">
                                             <p:txEl>
-                                              <p:pRg st="6" end="6"/>
+                                              <p:pRg st="5" end="5"/>
                                             </p:txEl>
                                           </p:spTgt>
                                         </p:tgtEl>
@@ -12654,7 +12820,7 @@
                                         <p:tgtEl>
                                           <p:spTgt spid="3">
                                             <p:txEl>
-                                              <p:pRg st="6" end="6"/>
+                                              <p:pRg st="5" end="5"/>
                                             </p:txEl>
                                           </p:spTgt>
                                         </p:tgtEl>
@@ -12681,7 +12847,7 @@
                                         <p:tgtEl>
                                           <p:spTgt spid="3">
                                             <p:txEl>
-                                              <p:pRg st="6" end="6"/>
+                                              <p:pRg st="5" end="5"/>
                                             </p:txEl>
                                           </p:spTgt>
                                         </p:tgtEl>
@@ -12739,7 +12905,7 @@
                                         <p:tgtEl>
                                           <p:spTgt spid="3">
                                             <p:txEl>
-                                              <p:pRg st="7" end="7"/>
+                                              <p:pRg st="6" end="6"/>
                                             </p:txEl>
                                           </p:spTgt>
                                         </p:tgtEl>
@@ -12757,7 +12923,7 @@
                                         <p:tgtEl>
                                           <p:spTgt spid="3">
                                             <p:txEl>
-                                              <p:pRg st="7" end="7"/>
+                                              <p:pRg st="6" end="6"/>
                                             </p:txEl>
                                           </p:spTgt>
                                         </p:tgtEl>
@@ -12769,7 +12935,7 @@
                                         <p:tgtEl>
                                           <p:spTgt spid="3">
                                             <p:txEl>
-                                              <p:pRg st="7" end="7"/>
+                                              <p:pRg st="6" end="6"/>
                                             </p:txEl>
                                           </p:spTgt>
                                         </p:tgtEl>
@@ -12796,7 +12962,7 @@
                                         <p:tgtEl>
                                           <p:spTgt spid="3">
                                             <p:txEl>
-                                              <p:pRg st="7" end="7"/>
+                                              <p:pRg st="6" end="6"/>
                                             </p:txEl>
                                           </p:spTgt>
                                         </p:tgtEl>
@@ -12854,7 +13020,7 @@
                                         <p:tgtEl>
                                           <p:spTgt spid="3">
                                             <p:txEl>
-                                              <p:pRg st="8" end="8"/>
+                                              <p:pRg st="7" end="7"/>
                                             </p:txEl>
                                           </p:spTgt>
                                         </p:tgtEl>
@@ -12872,7 +13038,7 @@
                                         <p:tgtEl>
                                           <p:spTgt spid="3">
                                             <p:txEl>
-                                              <p:pRg st="8" end="8"/>
+                                              <p:pRg st="7" end="7"/>
                                             </p:txEl>
                                           </p:spTgt>
                                         </p:tgtEl>
@@ -12884,7 +13050,7 @@
                                         <p:tgtEl>
                                           <p:spTgt spid="3">
                                             <p:txEl>
-                                              <p:pRg st="8" end="8"/>
+                                              <p:pRg st="7" end="7"/>
                                             </p:txEl>
                                           </p:spTgt>
                                         </p:tgtEl>
@@ -12911,7 +13077,7 @@
                                         <p:tgtEl>
                                           <p:spTgt spid="3">
                                             <p:txEl>
-                                              <p:pRg st="8" end="8"/>
+                                              <p:pRg st="7" end="7"/>
                                             </p:txEl>
                                           </p:spTgt>
                                         </p:tgtEl>
@@ -12967,7 +13133,11 @@
                                           </p:stCondLst>
                                         </p:cTn>
                                         <p:tgtEl>
-                                          <p:spTgt spid="5"/>
+                                          <p:spTgt spid="3">
+                                            <p:txEl>
+                                              <p:pRg st="8" end="8"/>
+                                            </p:txEl>
+                                          </p:spTgt>
                                         </p:tgtEl>
                                         <p:attrNameLst>
                                           <p:attrName>style.visibility</p:attrName>
@@ -12981,7 +13151,11 @@
                                       <p:cBhvr>
                                         <p:cTn id="42" dur="1000"/>
                                         <p:tgtEl>
-                                          <p:spTgt spid="5"/>
+                                          <p:spTgt spid="3">
+                                            <p:txEl>
+                                              <p:pRg st="8" end="8"/>
+                                            </p:txEl>
+                                          </p:spTgt>
                                         </p:tgtEl>
                                       </p:cBhvr>
                                     </p:animEffect>
@@ -12989,7 +13163,11 @@
                                       <p:cBhvr>
                                         <p:cTn id="43" dur="1000" fill="hold"/>
                                         <p:tgtEl>
-                                          <p:spTgt spid="5"/>
+                                          <p:spTgt spid="3">
+                                            <p:txEl>
+                                              <p:pRg st="8" end="8"/>
+                                            </p:txEl>
+                                          </p:spTgt>
                                         </p:tgtEl>
                                         <p:attrNameLst>
                                           <p:attrName>ppt_x</p:attrName>
@@ -13012,7 +13190,11 @@
                                       <p:cBhvr>
                                         <p:cTn id="44" dur="1000" fill="hold"/>
                                         <p:tgtEl>
-                                          <p:spTgt spid="5"/>
+                                          <p:spTgt spid="3">
+                                            <p:txEl>
+                                              <p:pRg st="8" end="8"/>
+                                            </p:txEl>
+                                          </p:spTgt>
                                         </p:tgtEl>
                                         <p:attrNameLst>
                                           <p:attrName>ppt_y</p:attrName>
@@ -13136,6 +13318,227 @@
         </p:nvSpPr>
         <p:spPr/>
         <p:txBody>
+          <a:bodyPr>
+            <a:normAutofit/>
+          </a:bodyPr>
+          <a:lstStyle/>
+          <a:p>
+            <a:endParaRPr lang="en-US" altLang="zh-CN"/>
+          </a:p>
+          <a:p>
+            <a:endParaRPr lang="zh-CN" altLang="en-US"/>
+          </a:p>
+        </p:txBody>
+      </p:sp>
+      <p:pic>
+        <p:nvPicPr>
+          <p:cNvPr id="6" name="图片 5">
+            <a:extLst>
+              <a:ext uri="{FF2B5EF4-FFF2-40B4-BE49-F238E27FC236}">
+                <a16:creationId xmlns:a16="http://schemas.microsoft.com/office/drawing/2014/main" id="{192E55A4-EE40-9313-91BE-5BC2243EF3A7}"/>
+              </a:ext>
+            </a:extLst>
+          </p:cNvPr>
+          <p:cNvPicPr>
+            <a:picLocks noChangeAspect="1"/>
+          </p:cNvPicPr>
+          <p:nvPr/>
+        </p:nvPicPr>
+        <p:blipFill>
+          <a:blip r:embed="rId2"/>
+          <a:stretch>
+            <a:fillRect/>
+          </a:stretch>
+        </p:blipFill>
+        <p:spPr>
+          <a:xfrm>
+            <a:off x="609600" y="1625654"/>
+            <a:ext cx="8626763" cy="4013146"/>
+          </a:xfrm>
+          <a:prstGeom prst="rect">
+            <a:avLst/>
+          </a:prstGeom>
+        </p:spPr>
+      </p:pic>
+    </p:spTree>
+    <p:extLst>
+      <p:ext uri="{BB962C8B-B14F-4D97-AF65-F5344CB8AC3E}">
+        <p14:creationId xmlns:p14="http://schemas.microsoft.com/office/powerpoint/2010/main" val="950623247"/>
+      </p:ext>
+    </p:extLst>
+  </p:cSld>
+  <p:clrMapOvr>
+    <a:masterClrMapping/>
+  </p:clrMapOvr>
+</p:sld>
+</file>
+
+<file path=ppt/slides/slide23.xml><?xml version="1.0" encoding="utf-8"?>
+<p:sld xmlns:a="http://schemas.openxmlformats.org/drawingml/2006/main" xmlns:r="http://schemas.openxmlformats.org/officeDocument/2006/relationships" xmlns:p="http://schemas.openxmlformats.org/presentationml/2006/main">
+  <p:cSld>
+    <p:spTree>
+      <p:nvGrpSpPr>
+        <p:cNvPr id="1" name=""/>
+        <p:cNvGrpSpPr/>
+        <p:nvPr/>
+      </p:nvGrpSpPr>
+      <p:grpSpPr>
+        <a:xfrm>
+          <a:off x="0" y="0"/>
+          <a:ext cx="0" cy="0"/>
+          <a:chOff x="0" y="0"/>
+          <a:chExt cx="0" cy="0"/>
+        </a:xfrm>
+      </p:grpSpPr>
+      <p:sp>
+        <p:nvSpPr>
+          <p:cNvPr id="2" name="标题 1">
+            <a:extLst>
+              <a:ext uri="{FF2B5EF4-FFF2-40B4-BE49-F238E27FC236}">
+                <a16:creationId xmlns:a16="http://schemas.microsoft.com/office/drawing/2014/main" id="{AC951161-2E9A-9E75-AC14-280FA9A64C51}"/>
+              </a:ext>
+            </a:extLst>
+          </p:cNvPr>
+          <p:cNvSpPr>
+            <a:spLocks noGrp="1"/>
+          </p:cNvSpPr>
+          <p:nvPr>
+            <p:ph type="title"/>
+          </p:nvPr>
+        </p:nvSpPr>
+        <p:spPr/>
+        <p:txBody>
+          <a:bodyPr/>
+          <a:lstStyle/>
+          <a:p>
+            <a:r>
+              <a:rPr lang="zh-CN" altLang="en-US"/>
+              <a:t>洛谷</a:t>
+            </a:r>
+            <a:r>
+              <a:rPr lang="en-US" altLang="zh-CN"/>
+              <a:t>2567 [SCOI2010] </a:t>
+            </a:r>
+            <a:r>
+              <a:rPr lang="zh-CN" altLang="en-US"/>
+              <a:t>幸运数字</a:t>
+            </a:r>
+          </a:p>
+        </p:txBody>
+      </p:sp>
+      <p:pic>
+        <p:nvPicPr>
+          <p:cNvPr id="5" name="内容占位符 4">
+            <a:extLst>
+              <a:ext uri="{FF2B5EF4-FFF2-40B4-BE49-F238E27FC236}">
+                <a16:creationId xmlns:a16="http://schemas.microsoft.com/office/drawing/2014/main" id="{686F0189-F4F0-B18E-1364-00E53ACC4F19}"/>
+              </a:ext>
+            </a:extLst>
+          </p:cNvPr>
+          <p:cNvPicPr>
+            <a:picLocks noGrp="1" noChangeAspect="1"/>
+          </p:cNvPicPr>
+          <p:nvPr>
+            <p:ph sz="quarter" idx="1"/>
+          </p:nvPr>
+        </p:nvPicPr>
+        <p:blipFill>
+          <a:blip r:embed="rId2"/>
+          <a:stretch>
+            <a:fillRect/>
+          </a:stretch>
+        </p:blipFill>
+        <p:spPr>
+          <a:xfrm>
+            <a:off x="738909" y="1422401"/>
+            <a:ext cx="8759537" cy="4502566"/>
+          </a:xfrm>
+        </p:spPr>
+      </p:pic>
+    </p:spTree>
+    <p:extLst>
+      <p:ext uri="{BB962C8B-B14F-4D97-AF65-F5344CB8AC3E}">
+        <p14:creationId xmlns:p14="http://schemas.microsoft.com/office/powerpoint/2010/main" val="3797424481"/>
+      </p:ext>
+    </p:extLst>
+  </p:cSld>
+  <p:clrMapOvr>
+    <a:masterClrMapping/>
+  </p:clrMapOvr>
+</p:sld>
+</file>
+
+<file path=ppt/slides/slide24.xml><?xml version="1.0" encoding="utf-8"?>
+<p:sld xmlns:a="http://schemas.openxmlformats.org/drawingml/2006/main" xmlns:r="http://schemas.openxmlformats.org/officeDocument/2006/relationships" xmlns:p="http://schemas.openxmlformats.org/presentationml/2006/main">
+  <p:cSld>
+    <p:spTree>
+      <p:nvGrpSpPr>
+        <p:cNvPr id="1" name=""/>
+        <p:cNvGrpSpPr/>
+        <p:nvPr/>
+      </p:nvGrpSpPr>
+      <p:grpSpPr>
+        <a:xfrm>
+          <a:off x="0" y="0"/>
+          <a:ext cx="0" cy="0"/>
+          <a:chOff x="0" y="0"/>
+          <a:chExt cx="0" cy="0"/>
+        </a:xfrm>
+      </p:grpSpPr>
+      <p:sp>
+        <p:nvSpPr>
+          <p:cNvPr id="2" name="标题 1">
+            <a:extLst>
+              <a:ext uri="{FF2B5EF4-FFF2-40B4-BE49-F238E27FC236}">
+                <a16:creationId xmlns:a16="http://schemas.microsoft.com/office/drawing/2014/main" id="{274AAB8C-6C5B-E2E8-FFFB-D73F32000402}"/>
+              </a:ext>
+            </a:extLst>
+          </p:cNvPr>
+          <p:cNvSpPr>
+            <a:spLocks noGrp="1"/>
+          </p:cNvSpPr>
+          <p:nvPr>
+            <p:ph type="title"/>
+          </p:nvPr>
+        </p:nvSpPr>
+        <p:spPr/>
+        <p:txBody>
+          <a:bodyPr/>
+          <a:lstStyle/>
+          <a:p>
+            <a:r>
+              <a:rPr lang="zh-CN" altLang="en-US"/>
+              <a:t>洛谷</a:t>
+            </a:r>
+            <a:r>
+              <a:rPr lang="en-US" altLang="zh-CN"/>
+              <a:t>2567 [SCOI2010] </a:t>
+            </a:r>
+            <a:r>
+              <a:rPr lang="zh-CN" altLang="en-US"/>
+              <a:t>幸运数字</a:t>
+            </a:r>
+          </a:p>
+        </p:txBody>
+      </p:sp>
+      <p:sp>
+        <p:nvSpPr>
+          <p:cNvPr id="3" name="内容占位符 2">
+            <a:extLst>
+              <a:ext uri="{FF2B5EF4-FFF2-40B4-BE49-F238E27FC236}">
+                <a16:creationId xmlns:a16="http://schemas.microsoft.com/office/drawing/2014/main" id="{E2681B75-3189-62AD-3380-8B51D9208F28}"/>
+              </a:ext>
+            </a:extLst>
+          </p:cNvPr>
+          <p:cNvSpPr>
+            <a:spLocks noGrp="1"/>
+          </p:cNvSpPr>
+          <p:nvPr>
+            <p:ph sz="quarter" idx="1"/>
+          </p:nvPr>
+        </p:nvSpPr>
+        <p:spPr/>
+        <p:txBody>
           <a:bodyPr/>
           <a:lstStyle/>
           <a:p>
@@ -14166,7 +14569,7 @@
 </p:sld>
 </file>
 
-<file path=ppt/slides/slide23.xml><?xml version="1.0" encoding="utf-8"?>
+<file path=ppt/slides/slide25.xml><?xml version="1.0" encoding="utf-8"?>
 <p:sld xmlns:a="http://schemas.openxmlformats.org/drawingml/2006/main" xmlns:r="http://schemas.openxmlformats.org/officeDocument/2006/relationships" xmlns:p="http://schemas.openxmlformats.org/presentationml/2006/main">
   <p:cSld>
     <p:spTree>
@@ -14319,7 +14722,7 @@
 </p:sld>
 </file>
 
-<file path=ppt/slides/slide24.xml><?xml version="1.0" encoding="utf-8"?>
+<file path=ppt/slides/slide26.xml><?xml version="1.0" encoding="utf-8"?>
 <p:sld xmlns:a="http://schemas.openxmlformats.org/drawingml/2006/main" xmlns:r="http://schemas.openxmlformats.org/officeDocument/2006/relationships" xmlns:p="http://schemas.openxmlformats.org/presentationml/2006/main">
   <p:cSld>
     <p:spTree>
@@ -14843,7 +15246,7 @@
 </p:sld>
 </file>
 
-<file path=ppt/slides/slide25.xml><?xml version="1.0" encoding="utf-8"?>
+<file path=ppt/slides/slide27.xml><?xml version="1.0" encoding="utf-8"?>
 <p:sld xmlns:a="http://schemas.openxmlformats.org/drawingml/2006/main" xmlns:r="http://schemas.openxmlformats.org/officeDocument/2006/relationships" xmlns:p="http://schemas.openxmlformats.org/presentationml/2006/main">
   <p:cSld>
     <p:spTree>
@@ -15104,6 +15507,105 @@
                       </p:childTnLst>
                     </p:cTn>
                   </p:par>
+                  <p:par>
+                    <p:cTn id="10" fill="hold">
+                      <p:stCondLst>
+                        <p:cond delay="indefinite"/>
+                      </p:stCondLst>
+                      <p:childTnLst>
+                        <p:par>
+                          <p:cTn id="11" fill="hold">
+                            <p:stCondLst>
+                              <p:cond delay="0"/>
+                            </p:stCondLst>
+                            <p:childTnLst>
+                              <p:par>
+                                <p:cTn id="12" presetID="42" presetClass="entr" presetSubtype="0" fill="hold" nodeType="clickEffect">
+                                  <p:stCondLst>
+                                    <p:cond delay="0"/>
+                                  </p:stCondLst>
+                                  <p:childTnLst>
+                                    <p:set>
+                                      <p:cBhvr>
+                                        <p:cTn id="13" dur="1" fill="hold">
+                                          <p:stCondLst>
+                                            <p:cond delay="0"/>
+                                          </p:stCondLst>
+                                        </p:cTn>
+                                        <p:tgtEl>
+                                          <p:spTgt spid="4"/>
+                                        </p:tgtEl>
+                                        <p:attrNameLst>
+                                          <p:attrName>style.visibility</p:attrName>
+                                        </p:attrNameLst>
+                                      </p:cBhvr>
+                                      <p:to>
+                                        <p:strVal val="visible"/>
+                                      </p:to>
+                                    </p:set>
+                                    <p:animEffect transition="in" filter="fade">
+                                      <p:cBhvr>
+                                        <p:cTn id="14" dur="1000"/>
+                                        <p:tgtEl>
+                                          <p:spTgt spid="4"/>
+                                        </p:tgtEl>
+                                      </p:cBhvr>
+                                    </p:animEffect>
+                                    <p:anim calcmode="lin" valueType="num">
+                                      <p:cBhvr>
+                                        <p:cTn id="15" dur="1000" fill="hold"/>
+                                        <p:tgtEl>
+                                          <p:spTgt spid="4"/>
+                                        </p:tgtEl>
+                                        <p:attrNameLst>
+                                          <p:attrName>ppt_x</p:attrName>
+                                        </p:attrNameLst>
+                                      </p:cBhvr>
+                                      <p:tavLst>
+                                        <p:tav tm="0">
+                                          <p:val>
+                                            <p:strVal val="#ppt_x"/>
+                                          </p:val>
+                                        </p:tav>
+                                        <p:tav tm="100000">
+                                          <p:val>
+                                            <p:strVal val="#ppt_x"/>
+                                          </p:val>
+                                        </p:tav>
+                                      </p:tavLst>
+                                    </p:anim>
+                                    <p:anim calcmode="lin" valueType="num">
+                                      <p:cBhvr>
+                                        <p:cTn id="16" dur="1000" fill="hold"/>
+                                        <p:tgtEl>
+                                          <p:spTgt spid="4"/>
+                                        </p:tgtEl>
+                                        <p:attrNameLst>
+                                          <p:attrName>ppt_y</p:attrName>
+                                        </p:attrNameLst>
+                                      </p:cBhvr>
+                                      <p:tavLst>
+                                        <p:tav tm="0">
+                                          <p:val>
+                                            <p:strVal val="#ppt_y+.1"/>
+                                          </p:val>
+                                        </p:tav>
+                                        <p:tav tm="100000">
+                                          <p:val>
+                                            <p:strVal val="#ppt_y"/>
+                                          </p:val>
+                                        </p:tav>
+                                      </p:tavLst>
+                                    </p:anim>
+                                  </p:childTnLst>
+                                </p:cTn>
+                              </p:par>
+                            </p:childTnLst>
+                          </p:cTn>
+                        </p:par>
+                      </p:childTnLst>
+                    </p:cTn>
+                  </p:par>
                 </p:childTnLst>
               </p:cTn>
               <p:prevCondLst>
@@ -15129,7 +15631,7 @@
 </p:sld>
 </file>
 
-<file path=ppt/slides/slide26.xml><?xml version="1.0" encoding="utf-8"?>
+<file path=ppt/slides/slide28.xml><?xml version="1.0" encoding="utf-8"?>
 <p:sld xmlns:a="http://schemas.openxmlformats.org/drawingml/2006/main" xmlns:r="http://schemas.openxmlformats.org/officeDocument/2006/relationships" xmlns:p="http://schemas.openxmlformats.org/presentationml/2006/main">
   <p:cSld>
     <p:spTree>
@@ -17701,6 +18203,105 @@
                       </p:childTnLst>
                     </p:cTn>
                   </p:par>
+                  <p:par>
+                    <p:cTn id="10" fill="hold">
+                      <p:stCondLst>
+                        <p:cond delay="indefinite"/>
+                      </p:stCondLst>
+                      <p:childTnLst>
+                        <p:par>
+                          <p:cTn id="11" fill="hold">
+                            <p:stCondLst>
+                              <p:cond delay="0"/>
+                            </p:stCondLst>
+                            <p:childTnLst>
+                              <p:par>
+                                <p:cTn id="12" presetID="42" presetClass="entr" presetSubtype="0" fill="hold" nodeType="clickEffect">
+                                  <p:stCondLst>
+                                    <p:cond delay="0"/>
+                                  </p:stCondLst>
+                                  <p:childTnLst>
+                                    <p:set>
+                                      <p:cBhvr>
+                                        <p:cTn id="13" dur="1" fill="hold">
+                                          <p:stCondLst>
+                                            <p:cond delay="0"/>
+                                          </p:stCondLst>
+                                        </p:cTn>
+                                        <p:tgtEl>
+                                          <p:spTgt spid="14"/>
+                                        </p:tgtEl>
+                                        <p:attrNameLst>
+                                          <p:attrName>style.visibility</p:attrName>
+                                        </p:attrNameLst>
+                                      </p:cBhvr>
+                                      <p:to>
+                                        <p:strVal val="visible"/>
+                                      </p:to>
+                                    </p:set>
+                                    <p:animEffect transition="in" filter="fade">
+                                      <p:cBhvr>
+                                        <p:cTn id="14" dur="1000"/>
+                                        <p:tgtEl>
+                                          <p:spTgt spid="14"/>
+                                        </p:tgtEl>
+                                      </p:cBhvr>
+                                    </p:animEffect>
+                                    <p:anim calcmode="lin" valueType="num">
+                                      <p:cBhvr>
+                                        <p:cTn id="15" dur="1000" fill="hold"/>
+                                        <p:tgtEl>
+                                          <p:spTgt spid="14"/>
+                                        </p:tgtEl>
+                                        <p:attrNameLst>
+                                          <p:attrName>ppt_x</p:attrName>
+                                        </p:attrNameLst>
+                                      </p:cBhvr>
+                                      <p:tavLst>
+                                        <p:tav tm="0">
+                                          <p:val>
+                                            <p:strVal val="#ppt_x"/>
+                                          </p:val>
+                                        </p:tav>
+                                        <p:tav tm="100000">
+                                          <p:val>
+                                            <p:strVal val="#ppt_x"/>
+                                          </p:val>
+                                        </p:tav>
+                                      </p:tavLst>
+                                    </p:anim>
+                                    <p:anim calcmode="lin" valueType="num">
+                                      <p:cBhvr>
+                                        <p:cTn id="16" dur="1000" fill="hold"/>
+                                        <p:tgtEl>
+                                          <p:spTgt spid="14"/>
+                                        </p:tgtEl>
+                                        <p:attrNameLst>
+                                          <p:attrName>ppt_y</p:attrName>
+                                        </p:attrNameLst>
+                                      </p:cBhvr>
+                                      <p:tavLst>
+                                        <p:tav tm="0">
+                                          <p:val>
+                                            <p:strVal val="#ppt_y+.1"/>
+                                          </p:val>
+                                        </p:tav>
+                                        <p:tav tm="100000">
+                                          <p:val>
+                                            <p:strVal val="#ppt_y"/>
+                                          </p:val>
+                                        </p:tav>
+                                      </p:tavLst>
+                                    </p:anim>
+                                  </p:childTnLst>
+                                </p:cTn>
+                              </p:par>
+                            </p:childTnLst>
+                          </p:cTn>
+                        </p:par>
+                      </p:childTnLst>
+                    </p:cTn>
+                  </p:par>
                 </p:childTnLst>
               </p:cTn>
               <p:prevCondLst>
@@ -17940,6 +18541,105 @@
                                               <p:pRg st="0" end="0"/>
                                             </p:txEl>
                                           </p:spTgt>
+                                        </p:tgtEl>
+                                        <p:attrNameLst>
+                                          <p:attrName>ppt_y</p:attrName>
+                                        </p:attrNameLst>
+                                      </p:cBhvr>
+                                      <p:tavLst>
+                                        <p:tav tm="0">
+                                          <p:val>
+                                            <p:strVal val="#ppt_y+.1"/>
+                                          </p:val>
+                                        </p:tav>
+                                        <p:tav tm="100000">
+                                          <p:val>
+                                            <p:strVal val="#ppt_y"/>
+                                          </p:val>
+                                        </p:tav>
+                                      </p:tavLst>
+                                    </p:anim>
+                                  </p:childTnLst>
+                                </p:cTn>
+                              </p:par>
+                            </p:childTnLst>
+                          </p:cTn>
+                        </p:par>
+                      </p:childTnLst>
+                    </p:cTn>
+                  </p:par>
+                  <p:par>
+                    <p:cTn id="10" fill="hold">
+                      <p:stCondLst>
+                        <p:cond delay="indefinite"/>
+                      </p:stCondLst>
+                      <p:childTnLst>
+                        <p:par>
+                          <p:cTn id="11" fill="hold">
+                            <p:stCondLst>
+                              <p:cond delay="0"/>
+                            </p:stCondLst>
+                            <p:childTnLst>
+                              <p:par>
+                                <p:cTn id="12" presetID="42" presetClass="entr" presetSubtype="0" fill="hold" nodeType="clickEffect">
+                                  <p:stCondLst>
+                                    <p:cond delay="0"/>
+                                  </p:stCondLst>
+                                  <p:childTnLst>
+                                    <p:set>
+                                      <p:cBhvr>
+                                        <p:cTn id="13" dur="1" fill="hold">
+                                          <p:stCondLst>
+                                            <p:cond delay="0"/>
+                                          </p:stCondLst>
+                                        </p:cTn>
+                                        <p:tgtEl>
+                                          <p:spTgt spid="13"/>
+                                        </p:tgtEl>
+                                        <p:attrNameLst>
+                                          <p:attrName>style.visibility</p:attrName>
+                                        </p:attrNameLst>
+                                      </p:cBhvr>
+                                      <p:to>
+                                        <p:strVal val="visible"/>
+                                      </p:to>
+                                    </p:set>
+                                    <p:animEffect transition="in" filter="fade">
+                                      <p:cBhvr>
+                                        <p:cTn id="14" dur="1000"/>
+                                        <p:tgtEl>
+                                          <p:spTgt spid="13"/>
+                                        </p:tgtEl>
+                                      </p:cBhvr>
+                                    </p:animEffect>
+                                    <p:anim calcmode="lin" valueType="num">
+                                      <p:cBhvr>
+                                        <p:cTn id="15" dur="1000" fill="hold"/>
+                                        <p:tgtEl>
+                                          <p:spTgt spid="13"/>
+                                        </p:tgtEl>
+                                        <p:attrNameLst>
+                                          <p:attrName>ppt_x</p:attrName>
+                                        </p:attrNameLst>
+                                      </p:cBhvr>
+                                      <p:tavLst>
+                                        <p:tav tm="0">
+                                          <p:val>
+                                            <p:strVal val="#ppt_x"/>
+                                          </p:val>
+                                        </p:tav>
+                                        <p:tav tm="100000">
+                                          <p:val>
+                                            <p:strVal val="#ppt_x"/>
+                                          </p:val>
+                                        </p:tav>
+                                      </p:tavLst>
+                                    </p:anim>
+                                    <p:anim calcmode="lin" valueType="num">
+                                      <p:cBhvr>
+                                        <p:cTn id="16" dur="1000" fill="hold"/>
+                                        <p:tgtEl>
+                                          <p:spTgt spid="13"/>
                                         </p:tgtEl>
                                         <p:attrNameLst>
                                           <p:attrName>ppt_y</p:attrName>
@@ -18433,6 +19133,105 @@
                                               <p:pRg st="1" end="1"/>
                                             </p:txEl>
                                           </p:spTgt>
+                                        </p:tgtEl>
+                                        <p:attrNameLst>
+                                          <p:attrName>ppt_y</p:attrName>
+                                        </p:attrNameLst>
+                                      </p:cBhvr>
+                                      <p:tavLst>
+                                        <p:tav tm="0">
+                                          <p:val>
+                                            <p:strVal val="#ppt_y+.1"/>
+                                          </p:val>
+                                        </p:tav>
+                                        <p:tav tm="100000">
+                                          <p:val>
+                                            <p:strVal val="#ppt_y"/>
+                                          </p:val>
+                                        </p:tav>
+                                      </p:tavLst>
+                                    </p:anim>
+                                  </p:childTnLst>
+                                </p:cTn>
+                              </p:par>
+                            </p:childTnLst>
+                          </p:cTn>
+                        </p:par>
+                      </p:childTnLst>
+                    </p:cTn>
+                  </p:par>
+                  <p:par>
+                    <p:cTn id="17" fill="hold">
+                      <p:stCondLst>
+                        <p:cond delay="indefinite"/>
+                      </p:stCondLst>
+                      <p:childTnLst>
+                        <p:par>
+                          <p:cTn id="18" fill="hold">
+                            <p:stCondLst>
+                              <p:cond delay="0"/>
+                            </p:stCondLst>
+                            <p:childTnLst>
+                              <p:par>
+                                <p:cTn id="19" presetID="42" presetClass="entr" presetSubtype="0" fill="hold" nodeType="clickEffect">
+                                  <p:stCondLst>
+                                    <p:cond delay="0"/>
+                                  </p:stCondLst>
+                                  <p:childTnLst>
+                                    <p:set>
+                                      <p:cBhvr>
+                                        <p:cTn id="20" dur="1" fill="hold">
+                                          <p:stCondLst>
+                                            <p:cond delay="0"/>
+                                          </p:stCondLst>
+                                        </p:cTn>
+                                        <p:tgtEl>
+                                          <p:spTgt spid="4"/>
+                                        </p:tgtEl>
+                                        <p:attrNameLst>
+                                          <p:attrName>style.visibility</p:attrName>
+                                        </p:attrNameLst>
+                                      </p:cBhvr>
+                                      <p:to>
+                                        <p:strVal val="visible"/>
+                                      </p:to>
+                                    </p:set>
+                                    <p:animEffect transition="in" filter="fade">
+                                      <p:cBhvr>
+                                        <p:cTn id="21" dur="1000"/>
+                                        <p:tgtEl>
+                                          <p:spTgt spid="4"/>
+                                        </p:tgtEl>
+                                      </p:cBhvr>
+                                    </p:animEffect>
+                                    <p:anim calcmode="lin" valueType="num">
+                                      <p:cBhvr>
+                                        <p:cTn id="22" dur="1000" fill="hold"/>
+                                        <p:tgtEl>
+                                          <p:spTgt spid="4"/>
+                                        </p:tgtEl>
+                                        <p:attrNameLst>
+                                          <p:attrName>ppt_x</p:attrName>
+                                        </p:attrNameLst>
+                                      </p:cBhvr>
+                                      <p:tavLst>
+                                        <p:tav tm="0">
+                                          <p:val>
+                                            <p:strVal val="#ppt_x"/>
+                                          </p:val>
+                                        </p:tav>
+                                        <p:tav tm="100000">
+                                          <p:val>
+                                            <p:strVal val="#ppt_x"/>
+                                          </p:val>
+                                        </p:tav>
+                                      </p:tavLst>
+                                    </p:anim>
+                                    <p:anim calcmode="lin" valueType="num">
+                                      <p:cBhvr>
+                                        <p:cTn id="23" dur="1000" fill="hold"/>
+                                        <p:tgtEl>
+                                          <p:spTgt spid="4"/>
                                         </p:tgtEl>
                                         <p:attrNameLst>
                                           <p:attrName>ppt_y</p:attrName>
@@ -19041,6 +19840,303 @@
                       </p:childTnLst>
                     </p:cTn>
                   </p:par>
+                  <p:par>
+                    <p:cTn id="17" fill="hold">
+                      <p:stCondLst>
+                        <p:cond delay="indefinite"/>
+                      </p:stCondLst>
+                      <p:childTnLst>
+                        <p:par>
+                          <p:cTn id="18" fill="hold">
+                            <p:stCondLst>
+                              <p:cond delay="0"/>
+                            </p:stCondLst>
+                            <p:childTnLst>
+                              <p:par>
+                                <p:cTn id="19" presetID="42" presetClass="entr" presetSubtype="0" fill="hold" nodeType="clickEffect">
+                                  <p:stCondLst>
+                                    <p:cond delay="0"/>
+                                  </p:stCondLst>
+                                  <p:childTnLst>
+                                    <p:set>
+                                      <p:cBhvr>
+                                        <p:cTn id="20" dur="1" fill="hold">
+                                          <p:stCondLst>
+                                            <p:cond delay="0"/>
+                                          </p:stCondLst>
+                                        </p:cTn>
+                                        <p:tgtEl>
+                                          <p:spTgt spid="6"/>
+                                        </p:tgtEl>
+                                        <p:attrNameLst>
+                                          <p:attrName>style.visibility</p:attrName>
+                                        </p:attrNameLst>
+                                      </p:cBhvr>
+                                      <p:to>
+                                        <p:strVal val="visible"/>
+                                      </p:to>
+                                    </p:set>
+                                    <p:animEffect transition="in" filter="fade">
+                                      <p:cBhvr>
+                                        <p:cTn id="21" dur="1000"/>
+                                        <p:tgtEl>
+                                          <p:spTgt spid="6"/>
+                                        </p:tgtEl>
+                                      </p:cBhvr>
+                                    </p:animEffect>
+                                    <p:anim calcmode="lin" valueType="num">
+                                      <p:cBhvr>
+                                        <p:cTn id="22" dur="1000" fill="hold"/>
+                                        <p:tgtEl>
+                                          <p:spTgt spid="6"/>
+                                        </p:tgtEl>
+                                        <p:attrNameLst>
+                                          <p:attrName>ppt_x</p:attrName>
+                                        </p:attrNameLst>
+                                      </p:cBhvr>
+                                      <p:tavLst>
+                                        <p:tav tm="0">
+                                          <p:val>
+                                            <p:strVal val="#ppt_x"/>
+                                          </p:val>
+                                        </p:tav>
+                                        <p:tav tm="100000">
+                                          <p:val>
+                                            <p:strVal val="#ppt_x"/>
+                                          </p:val>
+                                        </p:tav>
+                                      </p:tavLst>
+                                    </p:anim>
+                                    <p:anim calcmode="lin" valueType="num">
+                                      <p:cBhvr>
+                                        <p:cTn id="23" dur="1000" fill="hold"/>
+                                        <p:tgtEl>
+                                          <p:spTgt spid="6"/>
+                                        </p:tgtEl>
+                                        <p:attrNameLst>
+                                          <p:attrName>ppt_y</p:attrName>
+                                        </p:attrNameLst>
+                                      </p:cBhvr>
+                                      <p:tavLst>
+                                        <p:tav tm="0">
+                                          <p:val>
+                                            <p:strVal val="#ppt_y+.1"/>
+                                          </p:val>
+                                        </p:tav>
+                                        <p:tav tm="100000">
+                                          <p:val>
+                                            <p:strVal val="#ppt_y"/>
+                                          </p:val>
+                                        </p:tav>
+                                      </p:tavLst>
+                                    </p:anim>
+                                  </p:childTnLst>
+                                </p:cTn>
+                              </p:par>
+                            </p:childTnLst>
+                          </p:cTn>
+                        </p:par>
+                      </p:childTnLst>
+                    </p:cTn>
+                  </p:par>
+                  <p:par>
+                    <p:cTn id="24" fill="hold">
+                      <p:stCondLst>
+                        <p:cond delay="indefinite"/>
+                      </p:stCondLst>
+                      <p:childTnLst>
+                        <p:par>
+                          <p:cTn id="25" fill="hold">
+                            <p:stCondLst>
+                              <p:cond delay="0"/>
+                            </p:stCondLst>
+                            <p:childTnLst>
+                              <p:par>
+                                <p:cTn id="26" presetID="42" presetClass="entr" presetSubtype="0" fill="hold" grpId="0" nodeType="clickEffect">
+                                  <p:stCondLst>
+                                    <p:cond delay="0"/>
+                                  </p:stCondLst>
+                                  <p:childTnLst>
+                                    <p:set>
+                                      <p:cBhvr>
+                                        <p:cTn id="27" dur="1" fill="hold">
+                                          <p:stCondLst>
+                                            <p:cond delay="0"/>
+                                          </p:stCondLst>
+                                        </p:cTn>
+                                        <p:tgtEl>
+                                          <p:spTgt spid="7"/>
+                                        </p:tgtEl>
+                                        <p:attrNameLst>
+                                          <p:attrName>style.visibility</p:attrName>
+                                        </p:attrNameLst>
+                                      </p:cBhvr>
+                                      <p:to>
+                                        <p:strVal val="visible"/>
+                                      </p:to>
+                                    </p:set>
+                                    <p:animEffect transition="in" filter="fade">
+                                      <p:cBhvr>
+                                        <p:cTn id="28" dur="1000"/>
+                                        <p:tgtEl>
+                                          <p:spTgt spid="7"/>
+                                        </p:tgtEl>
+                                      </p:cBhvr>
+                                    </p:animEffect>
+                                    <p:anim calcmode="lin" valueType="num">
+                                      <p:cBhvr>
+                                        <p:cTn id="29" dur="1000" fill="hold"/>
+                                        <p:tgtEl>
+                                          <p:spTgt spid="7"/>
+                                        </p:tgtEl>
+                                        <p:attrNameLst>
+                                          <p:attrName>ppt_x</p:attrName>
+                                        </p:attrNameLst>
+                                      </p:cBhvr>
+                                      <p:tavLst>
+                                        <p:tav tm="0">
+                                          <p:val>
+                                            <p:strVal val="#ppt_x"/>
+                                          </p:val>
+                                        </p:tav>
+                                        <p:tav tm="100000">
+                                          <p:val>
+                                            <p:strVal val="#ppt_x"/>
+                                          </p:val>
+                                        </p:tav>
+                                      </p:tavLst>
+                                    </p:anim>
+                                    <p:anim calcmode="lin" valueType="num">
+                                      <p:cBhvr>
+                                        <p:cTn id="30" dur="1000" fill="hold"/>
+                                        <p:tgtEl>
+                                          <p:spTgt spid="7"/>
+                                        </p:tgtEl>
+                                        <p:attrNameLst>
+                                          <p:attrName>ppt_y</p:attrName>
+                                        </p:attrNameLst>
+                                      </p:cBhvr>
+                                      <p:tavLst>
+                                        <p:tav tm="0">
+                                          <p:val>
+                                            <p:strVal val="#ppt_y+.1"/>
+                                          </p:val>
+                                        </p:tav>
+                                        <p:tav tm="100000">
+                                          <p:val>
+                                            <p:strVal val="#ppt_y"/>
+                                          </p:val>
+                                        </p:tav>
+                                      </p:tavLst>
+                                    </p:anim>
+                                  </p:childTnLst>
+                                </p:cTn>
+                              </p:par>
+                            </p:childTnLst>
+                          </p:cTn>
+                        </p:par>
+                      </p:childTnLst>
+                    </p:cTn>
+                  </p:par>
+                  <p:par>
+                    <p:cTn id="31" fill="hold">
+                      <p:stCondLst>
+                        <p:cond delay="indefinite"/>
+                      </p:stCondLst>
+                      <p:childTnLst>
+                        <p:par>
+                          <p:cTn id="32" fill="hold">
+                            <p:stCondLst>
+                              <p:cond delay="0"/>
+                            </p:stCondLst>
+                            <p:childTnLst>
+                              <p:par>
+                                <p:cTn id="33" presetID="42" presetClass="entr" presetSubtype="0" fill="hold" nodeType="clickEffect">
+                                  <p:stCondLst>
+                                    <p:cond delay="0"/>
+                                  </p:stCondLst>
+                                  <p:childTnLst>
+                                    <p:set>
+                                      <p:cBhvr>
+                                        <p:cTn id="34" dur="1" fill="hold">
+                                          <p:stCondLst>
+                                            <p:cond delay="0"/>
+                                          </p:stCondLst>
+                                        </p:cTn>
+                                        <p:tgtEl>
+                                          <p:spTgt spid="9"/>
+                                        </p:tgtEl>
+                                        <p:attrNameLst>
+                                          <p:attrName>style.visibility</p:attrName>
+                                        </p:attrNameLst>
+                                      </p:cBhvr>
+                                      <p:to>
+                                        <p:strVal val="visible"/>
+                                      </p:to>
+                                    </p:set>
+                                    <p:animEffect transition="in" filter="fade">
+                                      <p:cBhvr>
+                                        <p:cTn id="35" dur="1000"/>
+                                        <p:tgtEl>
+                                          <p:spTgt spid="9"/>
+                                        </p:tgtEl>
+                                      </p:cBhvr>
+                                    </p:animEffect>
+                                    <p:anim calcmode="lin" valueType="num">
+                                      <p:cBhvr>
+                                        <p:cTn id="36" dur="1000" fill="hold"/>
+                                        <p:tgtEl>
+                                          <p:spTgt spid="9"/>
+                                        </p:tgtEl>
+                                        <p:attrNameLst>
+                                          <p:attrName>ppt_x</p:attrName>
+                                        </p:attrNameLst>
+                                      </p:cBhvr>
+                                      <p:tavLst>
+                                        <p:tav tm="0">
+                                          <p:val>
+                                            <p:strVal val="#ppt_x"/>
+                                          </p:val>
+                                        </p:tav>
+                                        <p:tav tm="100000">
+                                          <p:val>
+                                            <p:strVal val="#ppt_x"/>
+                                          </p:val>
+                                        </p:tav>
+                                      </p:tavLst>
+                                    </p:anim>
+                                    <p:anim calcmode="lin" valueType="num">
+                                      <p:cBhvr>
+                                        <p:cTn id="37" dur="1000" fill="hold"/>
+                                        <p:tgtEl>
+                                          <p:spTgt spid="9"/>
+                                        </p:tgtEl>
+                                        <p:attrNameLst>
+                                          <p:attrName>ppt_y</p:attrName>
+                                        </p:attrNameLst>
+                                      </p:cBhvr>
+                                      <p:tavLst>
+                                        <p:tav tm="0">
+                                          <p:val>
+                                            <p:strVal val="#ppt_y+.1"/>
+                                          </p:val>
+                                        </p:tav>
+                                        <p:tav tm="100000">
+                                          <p:val>
+                                            <p:strVal val="#ppt_y"/>
+                                          </p:val>
+                                        </p:tav>
+                                      </p:tavLst>
+                                    </p:anim>
+                                  </p:childTnLst>
+                                </p:cTn>
+                              </p:par>
+                            </p:childTnLst>
+                          </p:cTn>
+                        </p:par>
+                      </p:childTnLst>
+                    </p:cTn>
+                  </p:par>
                 </p:childTnLst>
               </p:cTn>
               <p:prevCondLst>
@@ -19064,6 +20160,7 @@
     </p:tnLst>
     <p:bldLst>
       <p:bldP spid="3" grpId="0" uiExpand="1" build="p"/>
+      <p:bldP spid="7" grpId="0" animBg="1"/>
     </p:bldLst>
   </p:timing>
 </p:sld>
@@ -19905,6 +21002,204 @@
                       </p:childTnLst>
                     </p:cTn>
                   </p:par>
+                  <p:par>
+                    <p:cTn id="24" fill="hold">
+                      <p:stCondLst>
+                        <p:cond delay="indefinite"/>
+                      </p:stCondLst>
+                      <p:childTnLst>
+                        <p:par>
+                          <p:cTn id="25" fill="hold">
+                            <p:stCondLst>
+                              <p:cond delay="0"/>
+                            </p:stCondLst>
+                            <p:childTnLst>
+                              <p:par>
+                                <p:cTn id="26" presetID="42" presetClass="entr" presetSubtype="0" fill="hold" nodeType="clickEffect">
+                                  <p:stCondLst>
+                                    <p:cond delay="0"/>
+                                  </p:stCondLst>
+                                  <p:childTnLst>
+                                    <p:set>
+                                      <p:cBhvr>
+                                        <p:cTn id="27" dur="1" fill="hold">
+                                          <p:stCondLst>
+                                            <p:cond delay="0"/>
+                                          </p:stCondLst>
+                                        </p:cTn>
+                                        <p:tgtEl>
+                                          <p:spTgt spid="6"/>
+                                        </p:tgtEl>
+                                        <p:attrNameLst>
+                                          <p:attrName>style.visibility</p:attrName>
+                                        </p:attrNameLst>
+                                      </p:cBhvr>
+                                      <p:to>
+                                        <p:strVal val="visible"/>
+                                      </p:to>
+                                    </p:set>
+                                    <p:animEffect transition="in" filter="fade">
+                                      <p:cBhvr>
+                                        <p:cTn id="28" dur="1000"/>
+                                        <p:tgtEl>
+                                          <p:spTgt spid="6"/>
+                                        </p:tgtEl>
+                                      </p:cBhvr>
+                                    </p:animEffect>
+                                    <p:anim calcmode="lin" valueType="num">
+                                      <p:cBhvr>
+                                        <p:cTn id="29" dur="1000" fill="hold"/>
+                                        <p:tgtEl>
+                                          <p:spTgt spid="6"/>
+                                        </p:tgtEl>
+                                        <p:attrNameLst>
+                                          <p:attrName>ppt_x</p:attrName>
+                                        </p:attrNameLst>
+                                      </p:cBhvr>
+                                      <p:tavLst>
+                                        <p:tav tm="0">
+                                          <p:val>
+                                            <p:strVal val="#ppt_x"/>
+                                          </p:val>
+                                        </p:tav>
+                                        <p:tav tm="100000">
+                                          <p:val>
+                                            <p:strVal val="#ppt_x"/>
+                                          </p:val>
+                                        </p:tav>
+                                      </p:tavLst>
+                                    </p:anim>
+                                    <p:anim calcmode="lin" valueType="num">
+                                      <p:cBhvr>
+                                        <p:cTn id="30" dur="1000" fill="hold"/>
+                                        <p:tgtEl>
+                                          <p:spTgt spid="6"/>
+                                        </p:tgtEl>
+                                        <p:attrNameLst>
+                                          <p:attrName>ppt_y</p:attrName>
+                                        </p:attrNameLst>
+                                      </p:cBhvr>
+                                      <p:tavLst>
+                                        <p:tav tm="0">
+                                          <p:val>
+                                            <p:strVal val="#ppt_y+.1"/>
+                                          </p:val>
+                                        </p:tav>
+                                        <p:tav tm="100000">
+                                          <p:val>
+                                            <p:strVal val="#ppt_y"/>
+                                          </p:val>
+                                        </p:tav>
+                                      </p:tavLst>
+                                    </p:anim>
+                                  </p:childTnLst>
+                                </p:cTn>
+                              </p:par>
+                            </p:childTnLst>
+                          </p:cTn>
+                        </p:par>
+                      </p:childTnLst>
+                    </p:cTn>
+                  </p:par>
+                  <p:par>
+                    <p:cTn id="31" fill="hold">
+                      <p:stCondLst>
+                        <p:cond delay="indefinite"/>
+                      </p:stCondLst>
+                      <p:childTnLst>
+                        <p:par>
+                          <p:cTn id="32" fill="hold">
+                            <p:stCondLst>
+                              <p:cond delay="0"/>
+                            </p:stCondLst>
+                            <p:childTnLst>
+                              <p:par>
+                                <p:cTn id="33" presetID="42" presetClass="entr" presetSubtype="0" fill="hold" grpId="0" nodeType="clickEffect">
+                                  <p:stCondLst>
+                                    <p:cond delay="0"/>
+                                  </p:stCondLst>
+                                  <p:childTnLst>
+                                    <p:set>
+                                      <p:cBhvr>
+                                        <p:cTn id="34" dur="1" fill="hold">
+                                          <p:stCondLst>
+                                            <p:cond delay="0"/>
+                                          </p:stCondLst>
+                                        </p:cTn>
+                                        <p:tgtEl>
+                                          <p:spTgt spid="7"/>
+                                        </p:tgtEl>
+                                        <p:attrNameLst>
+                                          <p:attrName>style.visibility</p:attrName>
+                                        </p:attrNameLst>
+                                      </p:cBhvr>
+                                      <p:to>
+                                        <p:strVal val="visible"/>
+                                      </p:to>
+                                    </p:set>
+                                    <p:animEffect transition="in" filter="fade">
+                                      <p:cBhvr>
+                                        <p:cTn id="35" dur="1000"/>
+                                        <p:tgtEl>
+                                          <p:spTgt spid="7"/>
+                                        </p:tgtEl>
+                                      </p:cBhvr>
+                                    </p:animEffect>
+                                    <p:anim calcmode="lin" valueType="num">
+                                      <p:cBhvr>
+                                        <p:cTn id="36" dur="1000" fill="hold"/>
+                                        <p:tgtEl>
+                                          <p:spTgt spid="7"/>
+                                        </p:tgtEl>
+                                        <p:attrNameLst>
+                                          <p:attrName>ppt_x</p:attrName>
+                                        </p:attrNameLst>
+                                      </p:cBhvr>
+                                      <p:tavLst>
+                                        <p:tav tm="0">
+                                          <p:val>
+                                            <p:strVal val="#ppt_x"/>
+                                          </p:val>
+                                        </p:tav>
+                                        <p:tav tm="100000">
+                                          <p:val>
+                                            <p:strVal val="#ppt_x"/>
+                                          </p:val>
+                                        </p:tav>
+                                      </p:tavLst>
+                                    </p:anim>
+                                    <p:anim calcmode="lin" valueType="num">
+                                      <p:cBhvr>
+                                        <p:cTn id="37" dur="1000" fill="hold"/>
+                                        <p:tgtEl>
+                                          <p:spTgt spid="7"/>
+                                        </p:tgtEl>
+                                        <p:attrNameLst>
+                                          <p:attrName>ppt_y</p:attrName>
+                                        </p:attrNameLst>
+                                      </p:cBhvr>
+                                      <p:tavLst>
+                                        <p:tav tm="0">
+                                          <p:val>
+                                            <p:strVal val="#ppt_y+.1"/>
+                                          </p:val>
+                                        </p:tav>
+                                        <p:tav tm="100000">
+                                          <p:val>
+                                            <p:strVal val="#ppt_y"/>
+                                          </p:val>
+                                        </p:tav>
+                                      </p:tavLst>
+                                    </p:anim>
+                                  </p:childTnLst>
+                                </p:cTn>
+                              </p:par>
+                            </p:childTnLst>
+                          </p:cTn>
+                        </p:par>
+                      </p:childTnLst>
+                    </p:cTn>
+                  </p:par>
                 </p:childTnLst>
               </p:cTn>
               <p:prevCondLst>
@@ -19928,6 +21223,7 @@
     </p:tnLst>
     <p:bldLst>
       <p:bldP spid="3" grpId="0" uiExpand="1" build="p"/>
+      <p:bldP spid="7" grpId="0"/>
     </p:bldLst>
   </p:timing>
 </p:sld>

--- a/wd/深度优先搜索及其优化.pptx
+++ b/wd/深度优先搜索及其优化.pptx
@@ -1,41 +1,44 @@
 
 <file path=ppt/presentation.xml><?xml version="1.0" encoding="utf-8"?>
-<p:presentation xmlns:a="http://schemas.openxmlformats.org/drawingml/2006/main" xmlns:r="http://schemas.openxmlformats.org/officeDocument/2006/relationships" xmlns:p="http://schemas.openxmlformats.org/presentationml/2006/main" saveSubsetFonts="1">
+<p:presentation xmlns:a="http://schemas.openxmlformats.org/drawingml/2006/main" xmlns:r="http://schemas.openxmlformats.org/officeDocument/2006/relationships" xmlns:p="http://schemas.openxmlformats.org/presentationml/2006/main">
   <p:sldMasterIdLst>
-    <p:sldMasterId id="2147483660" r:id="rId1"/>
+    <p:sldMasterId id="2147483648" r:id="rId1"/>
   </p:sldMasterIdLst>
   <p:sldIdLst>
-    <p:sldId id="256" r:id="rId2"/>
-    <p:sldId id="257" r:id="rId3"/>
-    <p:sldId id="298" r:id="rId4"/>
-    <p:sldId id="300" r:id="rId5"/>
-    <p:sldId id="301" r:id="rId6"/>
-    <p:sldId id="302" r:id="rId7"/>
-    <p:sldId id="303" r:id="rId8"/>
-    <p:sldId id="304" r:id="rId9"/>
-    <p:sldId id="305" r:id="rId10"/>
-    <p:sldId id="306" r:id="rId11"/>
-    <p:sldId id="307" r:id="rId12"/>
-    <p:sldId id="308" r:id="rId13"/>
-    <p:sldId id="317" r:id="rId14"/>
-    <p:sldId id="318" r:id="rId15"/>
-    <p:sldId id="319" r:id="rId16"/>
-    <p:sldId id="309" r:id="rId17"/>
-    <p:sldId id="310" r:id="rId18"/>
-    <p:sldId id="311" r:id="rId19"/>
-    <p:sldId id="312" r:id="rId20"/>
-    <p:sldId id="313" r:id="rId21"/>
-    <p:sldId id="314" r:id="rId22"/>
-    <p:sldId id="326" r:id="rId23"/>
-    <p:sldId id="327" r:id="rId24"/>
-    <p:sldId id="315" r:id="rId25"/>
-    <p:sldId id="316" r:id="rId26"/>
-    <p:sldId id="320" r:id="rId27"/>
-    <p:sldId id="321" r:id="rId28"/>
-    <p:sldId id="325" r:id="rId29"/>
+    <p:sldId id="256" r:id="rId3"/>
+    <p:sldId id="257" r:id="rId4"/>
+    <p:sldId id="298" r:id="rId5"/>
+    <p:sldId id="300" r:id="rId6"/>
+    <p:sldId id="301" r:id="rId7"/>
+    <p:sldId id="302" r:id="rId8"/>
+    <p:sldId id="303" r:id="rId9"/>
+    <p:sldId id="304" r:id="rId10"/>
+    <p:sldId id="305" r:id="rId11"/>
+    <p:sldId id="306" r:id="rId12"/>
+    <p:sldId id="307" r:id="rId13"/>
+    <p:sldId id="308" r:id="rId14"/>
+    <p:sldId id="317" r:id="rId15"/>
+    <p:sldId id="318" r:id="rId16"/>
+    <p:sldId id="319" r:id="rId17"/>
+    <p:sldId id="309" r:id="rId18"/>
+    <p:sldId id="310" r:id="rId19"/>
+    <p:sldId id="311" r:id="rId20"/>
+    <p:sldId id="312" r:id="rId21"/>
+    <p:sldId id="313" r:id="rId22"/>
+    <p:sldId id="314" r:id="rId23"/>
+    <p:sldId id="326" r:id="rId24"/>
+    <p:sldId id="327" r:id="rId25"/>
+    <p:sldId id="315" r:id="rId26"/>
+    <p:sldId id="316" r:id="rId27"/>
+    <p:sldId id="320" r:id="rId28"/>
+    <p:sldId id="321" r:id="rId29"/>
+    <p:sldId id="325" r:id="rId30"/>
   </p:sldIdLst>
   <p:sldSz cx="12192000" cy="6858000"/>
   <p:notesSz cx="6858000" cy="9144000"/>
+  <p:custDataLst>
+    <p:tags r:id="rId34"/>
+  </p:custDataLst>
   <p:defaultTextStyle>
     <a:defPPr>
       <a:defRPr lang="zh-CN"/>
@@ -131,16 +134,11 @@
       </a:defRPr>
     </a:lvl9pPr>
   </p:defaultTextStyle>
-  <p:extLst>
-    <p:ext uri="{EFAFB233-063F-42B5-8137-9DF3F51BA10A}">
-      <p15:sldGuideLst xmlns:p15="http://schemas.microsoft.com/office/powerpoint/2012/main"/>
-    </p:ext>
-  </p:extLst>
 </p:presentation>
 </file>
 
 <file path=ppt/slideLayouts/slideLayout1.xml><?xml version="1.0" encoding="utf-8"?>
-<p:sldLayout xmlns:a="http://schemas.openxmlformats.org/drawingml/2006/main" xmlns:r="http://schemas.openxmlformats.org/officeDocument/2006/relationships" xmlns:p="http://schemas.openxmlformats.org/presentationml/2006/main" showMasterSp="0" type="title" preserve="1">
+<p:sldLayout xmlns:a="http://schemas.openxmlformats.org/drawingml/2006/main" xmlns:r="http://schemas.openxmlformats.org/officeDocument/2006/relationships" xmlns:p="http://schemas.openxmlformats.org/presentationml/2006/main" type="title" preserve="1" showMasterSp="0">
   <p:cSld name="标题幻灯片">
     <p:spTree>
       <p:nvGrpSpPr>
@@ -282,7 +280,6 @@
           <a:p>
             <a:fld id="{BB7D2888-8C8F-4C2C-AA0A-D0307A3F1B58}" type="datetimeFigureOut">
               <a:rPr lang="zh-CN" altLang="en-US" smtClean="0"/>
-              <a:t>2024/7/9</a:t>
             </a:fld>
             <a:endParaRPr lang="zh-CN" altLang="en-US"/>
           </a:p>
@@ -334,7 +331,6 @@
           <a:p>
             <a:fld id="{6846DCD3-E8B7-40AC-B2BA-441C30453554}" type="slidenum">
               <a:rPr lang="zh-CN" altLang="en-US" smtClean="0"/>
-              <a:t>‹#›</a:t>
             </a:fld>
             <a:endParaRPr lang="zh-CN" altLang="en-US"/>
           </a:p>
@@ -525,11 +521,6 @@
         </p:txBody>
       </p:sp>
     </p:spTree>
-    <p:extLst>
-      <p:ext uri="{BB962C8B-B14F-4D97-AF65-F5344CB8AC3E}">
-        <p14:creationId xmlns:p14="http://schemas.microsoft.com/office/powerpoint/2010/main" val="3619130651"/>
-      </p:ext>
-    </p:extLst>
   </p:cSld>
   <p:clrMapOvr>
     <a:masterClrMapping/>
@@ -597,6 +588,7 @@
               <a:rPr lang="zh-CN" altLang="en-US"/>
               <a:t>单击此处编辑母版文本样式</a:t>
             </a:r>
+            <a:endParaRPr lang="zh-CN" altLang="en-US"/>
           </a:p>
           <a:p>
             <a:pPr lvl="1" eaLnBrk="1" latinLnBrk="0" hangingPunct="1"/>
@@ -604,6 +596,7 @@
               <a:rPr lang="zh-CN" altLang="en-US"/>
               <a:t>第二级</a:t>
             </a:r>
+            <a:endParaRPr lang="zh-CN" altLang="en-US"/>
           </a:p>
           <a:p>
             <a:pPr lvl="2" eaLnBrk="1" latinLnBrk="0" hangingPunct="1"/>
@@ -611,6 +604,7 @@
               <a:rPr lang="zh-CN" altLang="en-US"/>
               <a:t>第三级</a:t>
             </a:r>
+            <a:endParaRPr lang="zh-CN" altLang="en-US"/>
           </a:p>
           <a:p>
             <a:pPr lvl="3" eaLnBrk="1" latinLnBrk="0" hangingPunct="1"/>
@@ -618,6 +612,7 @@
               <a:rPr lang="zh-CN" altLang="en-US"/>
               <a:t>第四级</a:t>
             </a:r>
+            <a:endParaRPr lang="zh-CN" altLang="en-US"/>
           </a:p>
           <a:p>
             <a:pPr lvl="4" eaLnBrk="1" latinLnBrk="0" hangingPunct="1"/>
@@ -646,7 +641,6 @@
           <a:p>
             <a:fld id="{BB7D2888-8C8F-4C2C-AA0A-D0307A3F1B58}" type="datetimeFigureOut">
               <a:rPr lang="zh-CN" altLang="en-US" smtClean="0"/>
-              <a:t>2024/7/9</a:t>
             </a:fld>
             <a:endParaRPr lang="zh-CN" altLang="en-US"/>
           </a:p>
@@ -688,18 +682,12 @@
           <a:p>
             <a:fld id="{6846DCD3-E8B7-40AC-B2BA-441C30453554}" type="slidenum">
               <a:rPr lang="zh-CN" altLang="en-US" smtClean="0"/>
-              <a:t>‹#›</a:t>
             </a:fld>
             <a:endParaRPr lang="zh-CN" altLang="en-US"/>
           </a:p>
         </p:txBody>
       </p:sp>
     </p:spTree>
-    <p:extLst>
-      <p:ext uri="{BB962C8B-B14F-4D97-AF65-F5344CB8AC3E}">
-        <p14:creationId xmlns:p14="http://schemas.microsoft.com/office/powerpoint/2010/main" val="3072031902"/>
-      </p:ext>
-    </p:extLst>
   </p:cSld>
   <p:clrMapOvr>
     <a:masterClrMapping/>
@@ -708,7 +696,7 @@
 </file>
 
 <file path=ppt/slideLayouts/slideLayout11.xml><?xml version="1.0" encoding="utf-8"?>
-<p:sldLayout xmlns:a="http://schemas.openxmlformats.org/drawingml/2006/main" xmlns:r="http://schemas.openxmlformats.org/officeDocument/2006/relationships" xmlns:p="http://schemas.openxmlformats.org/presentationml/2006/main" showMasterSp="0" type="vertTitleAndTx" preserve="1">
+<p:sldLayout xmlns:a="http://schemas.openxmlformats.org/drawingml/2006/main" xmlns:r="http://schemas.openxmlformats.org/officeDocument/2006/relationships" xmlns:p="http://schemas.openxmlformats.org/presentationml/2006/main" type="vertTitleAndTx" preserve="1" showMasterSp="0">
   <p:cSld name="垂直排列标题与文本">
     <p:spTree>
       <p:nvGrpSpPr>
@@ -777,6 +765,7 @@
               <a:rPr lang="zh-CN" altLang="en-US"/>
               <a:t>单击此处编辑母版文本样式</a:t>
             </a:r>
+            <a:endParaRPr lang="zh-CN" altLang="en-US"/>
           </a:p>
           <a:p>
             <a:pPr lvl="1" eaLnBrk="1" latinLnBrk="0" hangingPunct="1"/>
@@ -784,6 +773,7 @@
               <a:rPr lang="zh-CN" altLang="en-US"/>
               <a:t>第二级</a:t>
             </a:r>
+            <a:endParaRPr lang="zh-CN" altLang="en-US"/>
           </a:p>
           <a:p>
             <a:pPr lvl="2" eaLnBrk="1" latinLnBrk="0" hangingPunct="1"/>
@@ -791,6 +781,7 @@
               <a:rPr lang="zh-CN" altLang="en-US"/>
               <a:t>第三级</a:t>
             </a:r>
+            <a:endParaRPr lang="zh-CN" altLang="en-US"/>
           </a:p>
           <a:p>
             <a:pPr lvl="3" eaLnBrk="1" latinLnBrk="0" hangingPunct="1"/>
@@ -798,6 +789,7 @@
               <a:rPr lang="zh-CN" altLang="en-US"/>
               <a:t>第四级</a:t>
             </a:r>
+            <a:endParaRPr lang="zh-CN" altLang="en-US"/>
           </a:p>
           <a:p>
             <a:pPr lvl="4" eaLnBrk="1" latinLnBrk="0" hangingPunct="1"/>
@@ -826,7 +818,6 @@
           <a:p>
             <a:fld id="{BB7D2888-8C8F-4C2C-AA0A-D0307A3F1B58}" type="datetimeFigureOut">
               <a:rPr lang="zh-CN" altLang="en-US" smtClean="0"/>
-              <a:t>2024/7/9</a:t>
             </a:fld>
             <a:endParaRPr lang="zh-CN" altLang="en-US"/>
           </a:p>
@@ -868,7 +859,6 @@
           <a:p>
             <a:fld id="{6846DCD3-E8B7-40AC-B2BA-441C30453554}" type="slidenum">
               <a:rPr lang="zh-CN" altLang="en-US" smtClean="0"/>
-              <a:t>‹#›</a:t>
             </a:fld>
             <a:endParaRPr lang="zh-CN" altLang="en-US"/>
           </a:p>
@@ -997,11 +987,6 @@
         </p:txBody>
       </p:sp>
     </p:spTree>
-    <p:extLst>
-      <p:ext uri="{BB962C8B-B14F-4D97-AF65-F5344CB8AC3E}">
-        <p14:creationId xmlns:p14="http://schemas.microsoft.com/office/powerpoint/2010/main" val="2268118882"/>
-      </p:ext>
-    </p:extLst>
   </p:cSld>
   <p:clrMapOvr>
     <a:masterClrMapping/>
@@ -1066,7 +1051,6 @@
           <a:p>
             <a:fld id="{BB7D2888-8C8F-4C2C-AA0A-D0307A3F1B58}" type="datetimeFigureOut">
               <a:rPr lang="zh-CN" altLang="en-US" smtClean="0"/>
-              <a:t>2024/7/9</a:t>
             </a:fld>
             <a:endParaRPr lang="zh-CN" altLang="en-US"/>
           </a:p>
@@ -1108,7 +1092,6 @@
           <a:p>
             <a:fld id="{6846DCD3-E8B7-40AC-B2BA-441C30453554}" type="slidenum">
               <a:rPr lang="zh-CN" altLang="en-US" smtClean="0"/>
-              <a:t>‹#›</a:t>
             </a:fld>
             <a:endParaRPr lang="zh-CN" altLang="en-US"/>
           </a:p>
@@ -1139,6 +1122,7 @@
               <a:rPr lang="zh-CN" altLang="en-US"/>
               <a:t>单击此处编辑母版文本样式</a:t>
             </a:r>
+            <a:endParaRPr lang="zh-CN" altLang="en-US"/>
           </a:p>
           <a:p>
             <a:pPr lvl="1" eaLnBrk="1" latinLnBrk="0" hangingPunct="1"/>
@@ -1146,6 +1130,7 @@
               <a:rPr lang="zh-CN" altLang="en-US"/>
               <a:t>第二级</a:t>
             </a:r>
+            <a:endParaRPr lang="zh-CN" altLang="en-US"/>
           </a:p>
           <a:p>
             <a:pPr lvl="2" eaLnBrk="1" latinLnBrk="0" hangingPunct="1"/>
@@ -1153,6 +1138,7 @@
               <a:rPr lang="zh-CN" altLang="en-US"/>
               <a:t>第三级</a:t>
             </a:r>
+            <a:endParaRPr lang="zh-CN" altLang="en-US"/>
           </a:p>
           <a:p>
             <a:pPr lvl="3" eaLnBrk="1" latinLnBrk="0" hangingPunct="1"/>
@@ -1160,6 +1146,7 @@
               <a:rPr lang="zh-CN" altLang="en-US"/>
               <a:t>第四级</a:t>
             </a:r>
+            <a:endParaRPr lang="zh-CN" altLang="en-US"/>
           </a:p>
           <a:p>
             <a:pPr lvl="4" eaLnBrk="1" latinLnBrk="0" hangingPunct="1"/>
@@ -1172,11 +1159,6 @@
         </p:txBody>
       </p:sp>
     </p:spTree>
-    <p:extLst>
-      <p:ext uri="{BB962C8B-B14F-4D97-AF65-F5344CB8AC3E}">
-        <p14:creationId xmlns:p14="http://schemas.microsoft.com/office/powerpoint/2010/main" val="2090874376"/>
-      </p:ext>
-    </p:extLst>
   </p:cSld>
   <p:clrMapOvr>
     <a:masterClrMapping/>
@@ -1185,7 +1167,7 @@
 </file>
 
 <file path=ppt/slideLayouts/slideLayout3.xml><?xml version="1.0" encoding="utf-8"?>
-<p:sldLayout xmlns:a="http://schemas.openxmlformats.org/drawingml/2006/main" xmlns:r="http://schemas.openxmlformats.org/officeDocument/2006/relationships" xmlns:p="http://schemas.openxmlformats.org/presentationml/2006/main" showMasterSp="0" type="secHead" preserve="1">
+<p:sldLayout xmlns:a="http://schemas.openxmlformats.org/drawingml/2006/main" xmlns:r="http://schemas.openxmlformats.org/officeDocument/2006/relationships" xmlns:p="http://schemas.openxmlformats.org/presentationml/2006/main" type="secHead" preserve="1" showMasterSp="0">
   <p:cSld name="节标题">
     <p:bg>
       <p:bgRef idx="1001">
@@ -1315,6 +1297,7 @@
               <a:rPr kumimoji="0" lang="zh-CN" altLang="en-US"/>
               <a:t>单击此处编辑母版文本样式</a:t>
             </a:r>
+            <a:endParaRPr kumimoji="0" lang="zh-CN" altLang="en-US"/>
           </a:p>
         </p:txBody>
       </p:sp>
@@ -1340,7 +1323,6 @@
           <a:p>
             <a:fld id="{BB7D2888-8C8F-4C2C-AA0A-D0307A3F1B58}" type="datetimeFigureOut">
               <a:rPr lang="zh-CN" altLang="en-US" smtClean="0"/>
-              <a:t>2024/7/9</a:t>
             </a:fld>
             <a:endParaRPr lang="zh-CN" altLang="en-US"/>
           </a:p>
@@ -1392,7 +1374,6 @@
           <a:p>
             <a:fld id="{6846DCD3-E8B7-40AC-B2BA-441C30453554}" type="slidenum">
               <a:rPr lang="zh-CN" altLang="en-US" smtClean="0"/>
-              <a:t>‹#›</a:t>
             </a:fld>
             <a:endParaRPr lang="zh-CN" altLang="en-US"/>
           </a:p>
@@ -1491,11 +1472,6 @@
         </p:txBody>
       </p:sp>
     </p:spTree>
-    <p:extLst>
-      <p:ext uri="{BB962C8B-B14F-4D97-AF65-F5344CB8AC3E}">
-        <p14:creationId xmlns:p14="http://schemas.microsoft.com/office/powerpoint/2010/main" val="3103755074"/>
-      </p:ext>
-    </p:extLst>
   </p:cSld>
   <p:clrMapOvr>
     <a:overrideClrMapping bg1="dk1" tx1="lt1" bg2="dk2" tx2="lt2" accent1="accent1" accent2="accent2" accent3="accent3" accent4="accent4" accent5="accent5" accent6="accent6" hlink="hlink" folHlink="folHlink"/>
@@ -1565,7 +1541,6 @@
           <a:p>
             <a:fld id="{BB7D2888-8C8F-4C2C-AA0A-D0307A3F1B58}" type="datetimeFigureOut">
               <a:rPr lang="zh-CN" altLang="en-US" smtClean="0"/>
-              <a:t>2024/7/9</a:t>
             </a:fld>
             <a:endParaRPr lang="zh-CN" altLang="en-US"/>
           </a:p>
@@ -1607,7 +1582,6 @@
           <a:p>
             <a:fld id="{6846DCD3-E8B7-40AC-B2BA-441C30453554}" type="slidenum">
               <a:rPr lang="zh-CN" altLang="en-US" smtClean="0"/>
-              <a:t>‹#›</a:t>
             </a:fld>
             <a:endParaRPr lang="zh-CN" altLang="en-US"/>
           </a:p>
@@ -1638,6 +1612,7 @@
               <a:rPr lang="zh-CN" altLang="en-US"/>
               <a:t>单击此处编辑母版文本样式</a:t>
             </a:r>
+            <a:endParaRPr lang="zh-CN" altLang="en-US"/>
           </a:p>
           <a:p>
             <a:pPr lvl="1" eaLnBrk="1" latinLnBrk="0" hangingPunct="1"/>
@@ -1645,6 +1620,7 @@
               <a:rPr lang="zh-CN" altLang="en-US"/>
               <a:t>第二级</a:t>
             </a:r>
+            <a:endParaRPr lang="zh-CN" altLang="en-US"/>
           </a:p>
           <a:p>
             <a:pPr lvl="2" eaLnBrk="1" latinLnBrk="0" hangingPunct="1"/>
@@ -1652,6 +1628,7 @@
               <a:rPr lang="zh-CN" altLang="en-US"/>
               <a:t>第三级</a:t>
             </a:r>
+            <a:endParaRPr lang="zh-CN" altLang="en-US"/>
           </a:p>
           <a:p>
             <a:pPr lvl="3" eaLnBrk="1" latinLnBrk="0" hangingPunct="1"/>
@@ -1659,6 +1636,7 @@
               <a:rPr lang="zh-CN" altLang="en-US"/>
               <a:t>第四级</a:t>
             </a:r>
+            <a:endParaRPr lang="zh-CN" altLang="en-US"/>
           </a:p>
           <a:p>
             <a:pPr lvl="4" eaLnBrk="1" latinLnBrk="0" hangingPunct="1"/>
@@ -1695,6 +1673,7 @@
               <a:rPr lang="zh-CN" altLang="en-US"/>
               <a:t>单击此处编辑母版文本样式</a:t>
             </a:r>
+            <a:endParaRPr lang="zh-CN" altLang="en-US"/>
           </a:p>
           <a:p>
             <a:pPr lvl="1" eaLnBrk="1" latinLnBrk="0" hangingPunct="1"/>
@@ -1702,6 +1681,7 @@
               <a:rPr lang="zh-CN" altLang="en-US"/>
               <a:t>第二级</a:t>
             </a:r>
+            <a:endParaRPr lang="zh-CN" altLang="en-US"/>
           </a:p>
           <a:p>
             <a:pPr lvl="2" eaLnBrk="1" latinLnBrk="0" hangingPunct="1"/>
@@ -1709,6 +1689,7 @@
               <a:rPr lang="zh-CN" altLang="en-US"/>
               <a:t>第三级</a:t>
             </a:r>
+            <a:endParaRPr lang="zh-CN" altLang="en-US"/>
           </a:p>
           <a:p>
             <a:pPr lvl="3" eaLnBrk="1" latinLnBrk="0" hangingPunct="1"/>
@@ -1716,6 +1697,7 @@
               <a:rPr lang="zh-CN" altLang="en-US"/>
               <a:t>第四级</a:t>
             </a:r>
+            <a:endParaRPr lang="zh-CN" altLang="en-US"/>
           </a:p>
           <a:p>
             <a:pPr lvl="4" eaLnBrk="1" latinLnBrk="0" hangingPunct="1"/>
@@ -1728,11 +1710,6 @@
         </p:txBody>
       </p:sp>
     </p:spTree>
-    <p:extLst>
-      <p:ext uri="{BB962C8B-B14F-4D97-AF65-F5344CB8AC3E}">
-        <p14:creationId xmlns:p14="http://schemas.microsoft.com/office/powerpoint/2010/main" val="3538856020"/>
-      </p:ext>
-    </p:extLst>
   </p:cSld>
   <p:clrMapOvr>
     <a:masterClrMapping/>
@@ -1845,6 +1822,7 @@
               <a:rPr kumimoji="0" lang="zh-CN" altLang="en-US"/>
               <a:t>单击此处编辑母版文本样式</a:t>
             </a:r>
+            <a:endParaRPr kumimoji="0" lang="zh-CN" altLang="en-US"/>
           </a:p>
         </p:txBody>
       </p:sp>
@@ -1902,6 +1880,7 @@
               <a:rPr kumimoji="0" lang="zh-CN" altLang="en-US"/>
               <a:t>单击此处编辑母版文本样式</a:t>
             </a:r>
+            <a:endParaRPr kumimoji="0" lang="zh-CN" altLang="en-US"/>
           </a:p>
         </p:txBody>
       </p:sp>
@@ -1922,7 +1901,6 @@
           <a:p>
             <a:fld id="{BB7D2888-8C8F-4C2C-AA0A-D0307A3F1B58}" type="datetimeFigureOut">
               <a:rPr lang="zh-CN" altLang="en-US" smtClean="0"/>
-              <a:t>2024/7/9</a:t>
             </a:fld>
             <a:endParaRPr lang="zh-CN" altLang="en-US"/>
           </a:p>
@@ -1964,7 +1942,6 @@
           <a:p>
             <a:fld id="{6846DCD3-E8B7-40AC-B2BA-441C30453554}" type="slidenum">
               <a:rPr lang="zh-CN" altLang="en-US" smtClean="0"/>
-              <a:t>‹#›</a:t>
             </a:fld>
             <a:endParaRPr lang="zh-CN" altLang="en-US"/>
           </a:p>
@@ -1995,6 +1972,7 @@
               <a:rPr lang="zh-CN" altLang="en-US"/>
               <a:t>单击此处编辑母版文本样式</a:t>
             </a:r>
+            <a:endParaRPr lang="zh-CN" altLang="en-US"/>
           </a:p>
           <a:p>
             <a:pPr lvl="1" eaLnBrk="1" latinLnBrk="0" hangingPunct="1"/>
@@ -2002,6 +1980,7 @@
               <a:rPr lang="zh-CN" altLang="en-US"/>
               <a:t>第二级</a:t>
             </a:r>
+            <a:endParaRPr lang="zh-CN" altLang="en-US"/>
           </a:p>
           <a:p>
             <a:pPr lvl="2" eaLnBrk="1" latinLnBrk="0" hangingPunct="1"/>
@@ -2009,6 +1988,7 @@
               <a:rPr lang="zh-CN" altLang="en-US"/>
               <a:t>第三级</a:t>
             </a:r>
+            <a:endParaRPr lang="zh-CN" altLang="en-US"/>
           </a:p>
           <a:p>
             <a:pPr lvl="3" eaLnBrk="1" latinLnBrk="0" hangingPunct="1"/>
@@ -2016,6 +1996,7 @@
               <a:rPr lang="zh-CN" altLang="en-US"/>
               <a:t>第四级</a:t>
             </a:r>
+            <a:endParaRPr lang="zh-CN" altLang="en-US"/>
           </a:p>
           <a:p>
             <a:pPr lvl="4" eaLnBrk="1" latinLnBrk="0" hangingPunct="1"/>
@@ -2052,6 +2033,7 @@
               <a:rPr lang="zh-CN" altLang="en-US"/>
               <a:t>单击此处编辑母版文本样式</a:t>
             </a:r>
+            <a:endParaRPr lang="zh-CN" altLang="en-US"/>
           </a:p>
           <a:p>
             <a:pPr lvl="1" eaLnBrk="1" latinLnBrk="0" hangingPunct="1"/>
@@ -2059,6 +2041,7 @@
               <a:rPr lang="zh-CN" altLang="en-US"/>
               <a:t>第二级</a:t>
             </a:r>
+            <a:endParaRPr lang="zh-CN" altLang="en-US"/>
           </a:p>
           <a:p>
             <a:pPr lvl="2" eaLnBrk="1" latinLnBrk="0" hangingPunct="1"/>
@@ -2066,6 +2049,7 @@
               <a:rPr lang="zh-CN" altLang="en-US"/>
               <a:t>第三级</a:t>
             </a:r>
+            <a:endParaRPr lang="zh-CN" altLang="en-US"/>
           </a:p>
           <a:p>
             <a:pPr lvl="3" eaLnBrk="1" latinLnBrk="0" hangingPunct="1"/>
@@ -2073,6 +2057,7 @@
               <a:rPr lang="zh-CN" altLang="en-US"/>
               <a:t>第四级</a:t>
             </a:r>
+            <a:endParaRPr lang="zh-CN" altLang="en-US"/>
           </a:p>
           <a:p>
             <a:pPr lvl="4" eaLnBrk="1" latinLnBrk="0" hangingPunct="1"/>
@@ -2085,11 +2070,6 @@
         </p:txBody>
       </p:sp>
     </p:spTree>
-    <p:extLst>
-      <p:ext uri="{BB962C8B-B14F-4D97-AF65-F5344CB8AC3E}">
-        <p14:creationId xmlns:p14="http://schemas.microsoft.com/office/powerpoint/2010/main" val="1379133320"/>
-      </p:ext>
-    </p:extLst>
   </p:cSld>
   <p:clrMapOvr>
     <a:masterClrMapping/>
@@ -2159,7 +2139,6 @@
           <a:p>
             <a:fld id="{BB7D2888-8C8F-4C2C-AA0A-D0307A3F1B58}" type="datetimeFigureOut">
               <a:rPr lang="zh-CN" altLang="en-US" smtClean="0"/>
-              <a:t>2024/7/9</a:t>
             </a:fld>
             <a:endParaRPr lang="zh-CN" altLang="en-US"/>
           </a:p>
@@ -2201,7 +2180,6 @@
           <a:p>
             <a:fld id="{6846DCD3-E8B7-40AC-B2BA-441C30453554}" type="slidenum">
               <a:rPr lang="zh-CN" altLang="en-US" smtClean="0"/>
-              <a:t>‹#›</a:t>
             </a:fld>
             <a:endParaRPr lang="zh-CN" altLang="en-US"/>
           </a:p>
@@ -2258,11 +2236,6 @@
         </p:txBody>
       </p:sp>
     </p:spTree>
-    <p:extLst>
-      <p:ext uri="{BB962C8B-B14F-4D97-AF65-F5344CB8AC3E}">
-        <p14:creationId xmlns:p14="http://schemas.microsoft.com/office/powerpoint/2010/main" val="2984652432"/>
-      </p:ext>
-    </p:extLst>
   </p:cSld>
   <p:clrMapOvr>
     <a:masterClrMapping/>
@@ -2271,7 +2244,7 @@
 </file>
 
 <file path=ppt/slideLayouts/slideLayout7.xml><?xml version="1.0" encoding="utf-8"?>
-<p:sldLayout xmlns:a="http://schemas.openxmlformats.org/drawingml/2006/main" xmlns:r="http://schemas.openxmlformats.org/officeDocument/2006/relationships" xmlns:p="http://schemas.openxmlformats.org/presentationml/2006/main" showMasterSp="0" type="blank" preserve="1">
+<p:sldLayout xmlns:a="http://schemas.openxmlformats.org/drawingml/2006/main" xmlns:r="http://schemas.openxmlformats.org/officeDocument/2006/relationships" xmlns:p="http://schemas.openxmlformats.org/presentationml/2006/main" type="blank" preserve="1" showMasterSp="0">
   <p:cSld name="空白">
     <p:spTree>
       <p:nvGrpSpPr>
@@ -2304,7 +2277,6 @@
           <a:p>
             <a:fld id="{BB7D2888-8C8F-4C2C-AA0A-D0307A3F1B58}" type="datetimeFigureOut">
               <a:rPr lang="zh-CN" altLang="en-US" smtClean="0"/>
-              <a:t>2024/7/9</a:t>
             </a:fld>
             <a:endParaRPr lang="zh-CN" altLang="en-US"/>
           </a:p>
@@ -2346,7 +2318,6 @@
           <a:p>
             <a:fld id="{6846DCD3-E8B7-40AC-B2BA-441C30453554}" type="slidenum">
               <a:rPr lang="zh-CN" altLang="en-US" smtClean="0"/>
-              <a:t>‹#›</a:t>
             </a:fld>
             <a:endParaRPr lang="zh-CN" altLang="en-US"/>
           </a:p>
@@ -2439,11 +2410,6 @@
         </p:txBody>
       </p:sp>
     </p:spTree>
-    <p:extLst>
-      <p:ext uri="{BB962C8B-B14F-4D97-AF65-F5344CB8AC3E}">
-        <p14:creationId xmlns:p14="http://schemas.microsoft.com/office/powerpoint/2010/main" val="2646452337"/>
-      </p:ext>
-    </p:extLst>
   </p:cSld>
   <p:clrMapOvr>
     <a:masterClrMapping/>
@@ -2452,7 +2418,7 @@
 </file>
 
 <file path=ppt/slideLayouts/slideLayout8.xml><?xml version="1.0" encoding="utf-8"?>
-<p:sldLayout xmlns:a="http://schemas.openxmlformats.org/drawingml/2006/main" xmlns:r="http://schemas.openxmlformats.org/officeDocument/2006/relationships" xmlns:p="http://schemas.openxmlformats.org/presentationml/2006/main" showMasterSp="0" type="objTx" preserve="1">
+<p:sldLayout xmlns:a="http://schemas.openxmlformats.org/drawingml/2006/main" xmlns:r="http://schemas.openxmlformats.org/officeDocument/2006/relationships" xmlns:p="http://schemas.openxmlformats.org/presentationml/2006/main" type="objTx" preserve="1" showMasterSp="0">
   <p:cSld name="内容与标题">
     <p:spTree>
       <p:nvGrpSpPr>
@@ -2566,6 +2532,7 @@
               <a:rPr kumimoji="0" lang="zh-CN" altLang="en-US"/>
               <a:t>单击此处编辑母版文本样式</a:t>
             </a:r>
+            <a:endParaRPr kumimoji="0" lang="zh-CN" altLang="en-US"/>
           </a:p>
         </p:txBody>
       </p:sp>
@@ -2586,7 +2553,6 @@
           <a:p>
             <a:fld id="{BB7D2888-8C8F-4C2C-AA0A-D0307A3F1B58}" type="datetimeFigureOut">
               <a:rPr lang="zh-CN" altLang="en-US" smtClean="0"/>
-              <a:t>2024/7/9</a:t>
             </a:fld>
             <a:endParaRPr lang="zh-CN" altLang="en-US"/>
           </a:p>
@@ -2628,7 +2594,6 @@
           <a:p>
             <a:fld id="{6846DCD3-E8B7-40AC-B2BA-441C30453554}" type="slidenum">
               <a:rPr lang="zh-CN" altLang="en-US" smtClean="0"/>
-              <a:t>‹#›</a:t>
             </a:fld>
             <a:endParaRPr lang="zh-CN" altLang="en-US"/>
           </a:p>
@@ -2781,6 +2746,7 @@
               <a:rPr lang="zh-CN" altLang="en-US"/>
               <a:t>单击此处编辑母版文本样式</a:t>
             </a:r>
+            <a:endParaRPr lang="zh-CN" altLang="en-US"/>
           </a:p>
           <a:p>
             <a:pPr lvl="1" eaLnBrk="1" latinLnBrk="0" hangingPunct="1"/>
@@ -2788,6 +2754,7 @@
               <a:rPr lang="zh-CN" altLang="en-US"/>
               <a:t>第二级</a:t>
             </a:r>
+            <a:endParaRPr lang="zh-CN" altLang="en-US"/>
           </a:p>
           <a:p>
             <a:pPr lvl="2" eaLnBrk="1" latinLnBrk="0" hangingPunct="1"/>
@@ -2795,6 +2762,7 @@
               <a:rPr lang="zh-CN" altLang="en-US"/>
               <a:t>第三级</a:t>
             </a:r>
+            <a:endParaRPr lang="zh-CN" altLang="en-US"/>
           </a:p>
           <a:p>
             <a:pPr lvl="3" eaLnBrk="1" latinLnBrk="0" hangingPunct="1"/>
@@ -2802,6 +2770,7 @@
               <a:rPr lang="zh-CN" altLang="en-US"/>
               <a:t>第四级</a:t>
             </a:r>
+            <a:endParaRPr lang="zh-CN" altLang="en-US"/>
           </a:p>
           <a:p>
             <a:pPr lvl="4" eaLnBrk="1" latinLnBrk="0" hangingPunct="1"/>
@@ -2814,11 +2783,6 @@
         </p:txBody>
       </p:sp>
     </p:spTree>
-    <p:extLst>
-      <p:ext uri="{BB962C8B-B14F-4D97-AF65-F5344CB8AC3E}">
-        <p14:creationId xmlns:p14="http://schemas.microsoft.com/office/powerpoint/2010/main" val="1187232414"/>
-      </p:ext>
-    </p:extLst>
   </p:cSld>
   <p:clrMapOvr>
     <a:masterClrMapping/>
@@ -2827,7 +2791,7 @@
 </file>
 
 <file path=ppt/slideLayouts/slideLayout9.xml><?xml version="1.0" encoding="utf-8"?>
-<p:sldLayout xmlns:a="http://schemas.openxmlformats.org/drawingml/2006/main" xmlns:r="http://schemas.openxmlformats.org/officeDocument/2006/relationships" xmlns:p="http://schemas.openxmlformats.org/presentationml/2006/main" showMasterSp="0" type="picTx" preserve="1">
+<p:sldLayout xmlns:a="http://schemas.openxmlformats.org/drawingml/2006/main" xmlns:r="http://schemas.openxmlformats.org/officeDocument/2006/relationships" xmlns:p="http://schemas.openxmlformats.org/presentationml/2006/main" type="picTx" preserve="1" showMasterSp="0">
   <p:cSld name="图片与标题">
     <p:bg>
       <p:bgRef idx="1001">
@@ -2978,6 +2942,7 @@
               <a:rPr kumimoji="0" lang="zh-CN" altLang="en-US"/>
               <a:t>单击此处编辑母版文本样式</a:t>
             </a:r>
+            <a:endParaRPr kumimoji="0" lang="zh-CN" altLang="en-US"/>
           </a:p>
         </p:txBody>
       </p:sp>
@@ -2998,7 +2963,6 @@
           <a:p>
             <a:fld id="{BB7D2888-8C8F-4C2C-AA0A-D0307A3F1B58}" type="datetimeFigureOut">
               <a:rPr lang="zh-CN" altLang="en-US" smtClean="0"/>
-              <a:t>2024/7/9</a:t>
             </a:fld>
             <a:endParaRPr lang="zh-CN" altLang="en-US"/>
           </a:p>
@@ -3040,7 +3004,6 @@
           <a:p>
             <a:fld id="{6846DCD3-E8B7-40AC-B2BA-441C30453554}" type="slidenum">
               <a:rPr lang="zh-CN" altLang="en-US" smtClean="0"/>
-              <a:t>‹#›</a:t>
             </a:fld>
             <a:endParaRPr lang="zh-CN" altLang="en-US"/>
           </a:p>
@@ -3179,11 +3142,6 @@
         </p:txBody>
       </p:sp>
     </p:spTree>
-    <p:extLst>
-      <p:ext uri="{BB962C8B-B14F-4D97-AF65-F5344CB8AC3E}">
-        <p14:creationId xmlns:p14="http://schemas.microsoft.com/office/powerpoint/2010/main" val="1746447243"/>
-      </p:ext>
-    </p:extLst>
   </p:cSld>
   <p:clrMapOvr>
     <a:overrideClrMapping bg1="dk1" tx1="lt1" bg2="dk2" tx2="lt2" accent1="accent1" accent2="accent2" accent3="accent3" accent4="accent4" accent5="accent5" accent6="accent6" hlink="hlink" folHlink="folHlink"/>
@@ -3276,6 +3234,7 @@
               <a:rPr kumimoji="0" lang="zh-CN" altLang="en-US"/>
               <a:t>单击此处编辑母版文本样式</a:t>
             </a:r>
+            <a:endParaRPr kumimoji="0" lang="zh-CN" altLang="en-US"/>
           </a:p>
           <a:p>
             <a:pPr lvl="1" eaLnBrk="1" latinLnBrk="0" hangingPunct="1"/>
@@ -3283,6 +3242,7 @@
               <a:rPr kumimoji="0" lang="zh-CN" altLang="en-US"/>
               <a:t>第二级</a:t>
             </a:r>
+            <a:endParaRPr kumimoji="0" lang="zh-CN" altLang="en-US"/>
           </a:p>
           <a:p>
             <a:pPr lvl="2" eaLnBrk="1" latinLnBrk="0" hangingPunct="1"/>
@@ -3290,6 +3250,7 @@
               <a:rPr kumimoji="0" lang="zh-CN" altLang="en-US"/>
               <a:t>第三级</a:t>
             </a:r>
+            <a:endParaRPr kumimoji="0" lang="zh-CN" altLang="en-US"/>
           </a:p>
           <a:p>
             <a:pPr lvl="3" eaLnBrk="1" latinLnBrk="0" hangingPunct="1"/>
@@ -3297,6 +3258,7 @@
               <a:rPr kumimoji="0" lang="zh-CN" altLang="en-US"/>
               <a:t>第四级</a:t>
             </a:r>
+            <a:endParaRPr kumimoji="0" lang="zh-CN" altLang="en-US"/>
           </a:p>
           <a:p>
             <a:pPr lvl="4" eaLnBrk="1" latinLnBrk="0" hangingPunct="1"/>
@@ -3341,7 +3303,6 @@
           <a:p>
             <a:fld id="{BB7D2888-8C8F-4C2C-AA0A-D0307A3F1B58}" type="datetimeFigureOut">
               <a:rPr lang="zh-CN" altLang="en-US" smtClean="0"/>
-              <a:t>2024/7/9</a:t>
             </a:fld>
             <a:endParaRPr lang="zh-CN" altLang="en-US"/>
           </a:p>
@@ -3415,7 +3376,6 @@
           <a:p>
             <a:fld id="{6846DCD3-E8B7-40AC-B2BA-441C30453554}" type="slidenum">
               <a:rPr lang="zh-CN" altLang="en-US" smtClean="0"/>
-              <a:t>‹#›</a:t>
             </a:fld>
             <a:endParaRPr lang="zh-CN" altLang="en-US"/>
           </a:p>
@@ -3544,25 +3504,20 @@
         </p:txBody>
       </p:sp>
     </p:spTree>
-    <p:extLst>
-      <p:ext uri="{BB962C8B-B14F-4D97-AF65-F5344CB8AC3E}">
-        <p14:creationId xmlns:p14="http://schemas.microsoft.com/office/powerpoint/2010/main" val="1787030407"/>
-      </p:ext>
-    </p:extLst>
   </p:cSld>
   <p:clrMap bg1="lt1" tx1="dk1" bg2="lt2" tx2="dk2" accent1="accent1" accent2="accent2" accent3="accent3" accent4="accent4" accent5="accent5" accent6="accent6" hlink="hlink" folHlink="folHlink"/>
   <p:sldLayoutIdLst>
-    <p:sldLayoutId id="2147483661" r:id="rId1"/>
-    <p:sldLayoutId id="2147483662" r:id="rId2"/>
-    <p:sldLayoutId id="2147483663" r:id="rId3"/>
-    <p:sldLayoutId id="2147483664" r:id="rId4"/>
-    <p:sldLayoutId id="2147483665" r:id="rId5"/>
-    <p:sldLayoutId id="2147483666" r:id="rId6"/>
-    <p:sldLayoutId id="2147483667" r:id="rId7"/>
-    <p:sldLayoutId id="2147483668" r:id="rId8"/>
-    <p:sldLayoutId id="2147483669" r:id="rId9"/>
-    <p:sldLayoutId id="2147483670" r:id="rId10"/>
-    <p:sldLayoutId id="2147483671" r:id="rId11"/>
+    <p:sldLayoutId id="2147483649" r:id="rId1"/>
+    <p:sldLayoutId id="2147483650" r:id="rId2"/>
+    <p:sldLayoutId id="2147483651" r:id="rId3"/>
+    <p:sldLayoutId id="2147483652" r:id="rId4"/>
+    <p:sldLayoutId id="2147483653" r:id="rId5"/>
+    <p:sldLayoutId id="2147483654" r:id="rId6"/>
+    <p:sldLayoutId id="2147483655" r:id="rId7"/>
+    <p:sldLayoutId id="2147483656" r:id="rId8"/>
+    <p:sldLayoutId id="2147483657" r:id="rId9"/>
+    <p:sldLayoutId id="2147483658" r:id="rId10"/>
+    <p:sldLayoutId id="2147483659" r:id="rId11"/>
   </p:sldLayoutIdLst>
   <p:txStyles>
     <p:titleStyle>
@@ -3590,7 +3545,7 @@
           <a:schemeClr val="accent1"/>
         </a:buClr>
         <a:buSzPct val="76000"/>
-        <a:buFont typeface="Wingdings 3"/>
+        <a:buFont typeface="Wingdings 3" panose="05040102010807070707"/>
         <a:buChar char=""/>
         <a:defRPr kumimoji="0" sz="2600" kern="1200">
           <a:solidFill>
@@ -3609,7 +3564,7 @@
           <a:schemeClr val="accent2"/>
         </a:buClr>
         <a:buSzPct val="76000"/>
-        <a:buFont typeface="Wingdings 3"/>
+        <a:buFont typeface="Wingdings 3" panose="05040102010807070707"/>
         <a:buChar char=""/>
         <a:defRPr kumimoji="0" sz="2300" kern="1200">
           <a:solidFill>
@@ -3630,7 +3585,7 @@
           </a:schemeClr>
         </a:buClr>
         <a:buSzPct val="76000"/>
-        <a:buFont typeface="Wingdings 3"/>
+        <a:buFont typeface="Wingdings 3" panose="05040102010807070707"/>
         <a:buChar char=""/>
         <a:defRPr kumimoji="0" sz="2000" kern="1200">
           <a:solidFill>
@@ -3651,7 +3606,7 @@
           </a:schemeClr>
         </a:buClr>
         <a:buSzPct val="70000"/>
-        <a:buFont typeface="Wingdings"/>
+        <a:buFont typeface="Wingdings" panose="05000000000000000000"/>
         <a:buChar char=""/>
         <a:defRPr kumimoji="0" sz="1800" kern="1200">
           <a:solidFill>
@@ -3670,7 +3625,7 @@
           <a:schemeClr val="accent2"/>
         </a:buClr>
         <a:buSzPct val="70000"/>
-        <a:buFont typeface="Wingdings"/>
+        <a:buFont typeface="Wingdings" panose="05000000000000000000"/>
         <a:buChar char=""/>
         <a:defRPr kumimoji="0" sz="1600" kern="1200">
           <a:solidFill>
@@ -3691,7 +3646,7 @@
           </a:srgbClr>
         </a:buClr>
         <a:buSzPct val="75000"/>
-        <a:buFont typeface="Wingdings 3"/>
+        <a:buFont typeface="Wingdings 3" panose="05040102010807070707"/>
         <a:buChar char=""/>
         <a:defRPr kumimoji="0" lang="en-US" sz="1600" kern="1200" smtClean="0">
           <a:solidFill>
@@ -3712,7 +3667,7 @@
           </a:srgbClr>
         </a:buClr>
         <a:buSzPct val="75000"/>
-        <a:buFont typeface="Wingdings 3"/>
+        <a:buFont typeface="Wingdings 3" panose="05040102010807070707"/>
         <a:buChar char=""/>
         <a:defRPr kumimoji="0" lang="en-US" sz="1400" kern="1200" smtClean="0">
           <a:solidFill>
@@ -3733,7 +3688,7 @@
           </a:prstClr>
         </a:buClr>
         <a:buSzPct val="75000"/>
-        <a:buFont typeface="Wingdings 3"/>
+        <a:buFont typeface="Wingdings 3" panose="05040102010807070707"/>
         <a:buChar char=""/>
         <a:defRPr kumimoji="0" lang="en-US" sz="1400" kern="1200" smtClean="0">
           <a:solidFill>
@@ -3752,7 +3707,7 @@
           <a:srgbClr val="9FB8CD"/>
         </a:buClr>
         <a:buSzPct val="75000"/>
-        <a:buFont typeface="Wingdings 3"/>
+        <a:buFont typeface="Wingdings 3" panose="05040102010807070707"/>
         <a:buChar char=""/>
         <a:defRPr kumimoji="0" lang="en-US" sz="1200" kern="1200" smtClean="0">
           <a:solidFill>
@@ -3936,11 +3891,6 @@
         </p:txBody>
       </p:sp>
     </p:spTree>
-    <p:extLst>
-      <p:ext uri="{BB962C8B-B14F-4D97-AF65-F5344CB8AC3E}">
-        <p14:creationId xmlns:p14="http://schemas.microsoft.com/office/powerpoint/2010/main" val="3267505267"/>
-      </p:ext>
-    </p:extLst>
   </p:cSld>
   <p:clrMapOvr>
     <a:masterClrMapping/>
@@ -4066,11 +4016,6 @@
         </p:txBody>
       </p:sp>
     </p:spTree>
-    <p:extLst>
-      <p:ext uri="{BB962C8B-B14F-4D97-AF65-F5344CB8AC3E}">
-        <p14:creationId xmlns:p14="http://schemas.microsoft.com/office/powerpoint/2010/main" val="845889288"/>
-      </p:ext>
-    </p:extLst>
   </p:cSld>
   <p:clrMapOvr>
     <a:masterClrMapping/>
@@ -4909,11 +4854,6 @@
         </p:txBody>
       </p:sp>
     </p:spTree>
-    <p:extLst>
-      <p:ext uri="{BB962C8B-B14F-4D97-AF65-F5344CB8AC3E}">
-        <p14:creationId xmlns:p14="http://schemas.microsoft.com/office/powerpoint/2010/main" val="2773958865"/>
-      </p:ext>
-    </p:extLst>
   </p:cSld>
   <p:clrMapOvr>
     <a:masterClrMapping/>
@@ -5786,11 +5726,6 @@
         </p:txBody>
       </p:sp>
     </p:spTree>
-    <p:extLst>
-      <p:ext uri="{BB962C8B-B14F-4D97-AF65-F5344CB8AC3E}">
-        <p14:creationId xmlns:p14="http://schemas.microsoft.com/office/powerpoint/2010/main" val="1385292920"/>
-      </p:ext>
-    </p:extLst>
   </p:cSld>
   <p:clrMapOvr>
     <a:masterClrMapping/>
@@ -6473,11 +6408,6 @@
         </p:txBody>
       </p:sp>
     </p:spTree>
-    <p:extLst>
-      <p:ext uri="{BB962C8B-B14F-4D97-AF65-F5344CB8AC3E}">
-        <p14:creationId xmlns:p14="http://schemas.microsoft.com/office/powerpoint/2010/main" val="687985711"/>
-      </p:ext>
-    </p:extLst>
   </p:cSld>
   <p:clrMapOvr>
     <a:masterClrMapping/>
@@ -6860,20 +6790,14 @@
       </p:sp>
       <p:pic>
         <p:nvPicPr>
-          <p:cNvPr id="7" name="图片 6">
-            <a:extLst>
-              <a:ext uri="{FF2B5EF4-FFF2-40B4-BE49-F238E27FC236}">
-                <a16:creationId xmlns:a16="http://schemas.microsoft.com/office/drawing/2014/main" id="{4E7F35EE-57C2-F0E5-56B5-291396A17FE6}"/>
-              </a:ext>
-            </a:extLst>
-          </p:cNvPr>
+          <p:cNvPr id="7" name="图片 6"/>
           <p:cNvPicPr>
             <a:picLocks noChangeAspect="1"/>
           </p:cNvPicPr>
           <p:nvPr/>
         </p:nvPicPr>
         <p:blipFill>
-          <a:blip r:embed="rId2"/>
+          <a:blip r:embed="rId1"/>
           <a:stretch>
             <a:fillRect/>
           </a:stretch>
@@ -6889,11 +6813,6 @@
         </p:spPr>
       </p:pic>
     </p:spTree>
-    <p:extLst>
-      <p:ext uri="{BB962C8B-B14F-4D97-AF65-F5344CB8AC3E}">
-        <p14:creationId xmlns:p14="http://schemas.microsoft.com/office/powerpoint/2010/main" val="2783567592"/>
-      </p:ext>
-    </p:extLst>
   </p:cSld>
   <p:clrMapOvr>
     <a:masterClrMapping/>
@@ -7632,20 +7551,14 @@
       </p:sp>
       <p:pic>
         <p:nvPicPr>
-          <p:cNvPr id="5" name="图片 4">
-            <a:extLst>
-              <a:ext uri="{FF2B5EF4-FFF2-40B4-BE49-F238E27FC236}">
-                <a16:creationId xmlns:a16="http://schemas.microsoft.com/office/drawing/2014/main" id="{A0CAC5A4-9222-558A-C3D8-D25EEA68FDC6}"/>
-              </a:ext>
-            </a:extLst>
-          </p:cNvPr>
+          <p:cNvPr id="5" name="图片 4"/>
           <p:cNvPicPr>
             <a:picLocks noChangeAspect="1"/>
           </p:cNvPicPr>
           <p:nvPr/>
         </p:nvPicPr>
         <p:blipFill>
-          <a:blip r:embed="rId2"/>
+          <a:blip r:embed="rId1"/>
           <a:stretch>
             <a:fillRect/>
           </a:stretch>
@@ -7661,11 +7574,6 @@
         </p:spPr>
       </p:pic>
     </p:spTree>
-    <p:extLst>
-      <p:ext uri="{BB962C8B-B14F-4D97-AF65-F5344CB8AC3E}">
-        <p14:creationId xmlns:p14="http://schemas.microsoft.com/office/powerpoint/2010/main" val="2012050128"/>
-      </p:ext>
-    </p:extLst>
   </p:cSld>
   <p:clrMapOvr>
     <a:masterClrMapping/>
@@ -8298,20 +8206,14 @@
       </p:sp>
       <p:pic>
         <p:nvPicPr>
-          <p:cNvPr id="5" name="图片 4">
-            <a:extLst>
-              <a:ext uri="{FF2B5EF4-FFF2-40B4-BE49-F238E27FC236}">
-                <a16:creationId xmlns:a16="http://schemas.microsoft.com/office/drawing/2014/main" id="{AC372809-8276-25E7-EA59-C935B8D5E324}"/>
-              </a:ext>
-            </a:extLst>
-          </p:cNvPr>
+          <p:cNvPr id="5" name="图片 4"/>
           <p:cNvPicPr>
             <a:picLocks noChangeAspect="1"/>
           </p:cNvPicPr>
           <p:nvPr/>
         </p:nvPicPr>
         <p:blipFill>
-          <a:blip r:embed="rId2"/>
+          <a:blip r:embed="rId1"/>
           <a:stretch>
             <a:fillRect/>
           </a:stretch>
@@ -8327,11 +8229,6 @@
         </p:spPr>
       </p:pic>
     </p:spTree>
-    <p:extLst>
-      <p:ext uri="{BB962C8B-B14F-4D97-AF65-F5344CB8AC3E}">
-        <p14:creationId xmlns:p14="http://schemas.microsoft.com/office/powerpoint/2010/main" val="1006399662"/>
-      </p:ext>
-    </p:extLst>
   </p:cSld>
   <p:clrMapOvr>
     <a:masterClrMapping/>
@@ -8817,13 +8714,7 @@
       </p:grpSpPr>
       <p:sp>
         <p:nvSpPr>
-          <p:cNvPr id="2" name="标题 1">
-            <a:extLst>
-              <a:ext uri="{FF2B5EF4-FFF2-40B4-BE49-F238E27FC236}">
-                <a16:creationId xmlns:a16="http://schemas.microsoft.com/office/drawing/2014/main" id="{274AAB8C-6C5B-E2E8-FFFB-D73F32000402}"/>
-              </a:ext>
-            </a:extLst>
-          </p:cNvPr>
+          <p:cNvPr id="2" name="标题 1"/>
           <p:cNvSpPr>
             <a:spLocks noGrp="1"/>
           </p:cNvSpPr>
@@ -8875,17 +8766,11 @@
           </a:p>
         </p:txBody>
       </p:sp>
-      <mc:AlternateContent xmlns:mc="http://schemas.openxmlformats.org/markup-compatibility/2006" xmlns:a14="http://schemas.microsoft.com/office/drawing/2010/main">
-        <mc:Choice Requires="a14">
+      <mc:AlternateContent xmlns:mc="http://schemas.openxmlformats.org/markup-compatibility/2006">
+        <mc:Choice xmlns:a14="http://schemas.microsoft.com/office/drawing/2010/main" Requires="a14">
           <p:sp>
             <p:nvSpPr>
-              <p:cNvPr id="3" name="内容占位符 2">
-                <a:extLst>
-                  <a:ext uri="{FF2B5EF4-FFF2-40B4-BE49-F238E27FC236}">
-                    <a16:creationId xmlns:a16="http://schemas.microsoft.com/office/drawing/2014/main" id="{E2681B75-3189-62AD-3380-8B51D9208F28}"/>
-                  </a:ext>
-                </a:extLst>
-              </p:cNvPr>
+              <p:cNvPr id="3" name="内容占位符 2"/>
               <p:cNvSpPr>
                 <a:spLocks noGrp="1"/>
               </p:cNvSpPr>
@@ -8964,22 +8849,17 @@
                   <a:rPr lang="zh-CN" altLang="en-US"/>
                   <a:t>种情况，显然无法通过 此题。 所以我们需要进行剪枝和改变搜索顺序。 </a:t>
                 </a:r>
+                <a:endParaRPr lang="zh-CN" altLang="en-US"/>
               </a:p>
             </p:txBody>
           </p:sp>
         </mc:Choice>
-        <mc:Fallback xmlns="">
+        <mc:Fallback>
           <p:sp>
             <p:nvSpPr>
-              <p:cNvPr id="3" name="内容占位符 2">
-                <a:extLst>
-                  <a:ext uri="{FF2B5EF4-FFF2-40B4-BE49-F238E27FC236}">
-                    <a16:creationId xmlns:a16="http://schemas.microsoft.com/office/drawing/2014/main" id="{E2681B75-3189-62AD-3380-8B51D9208F28}"/>
-                  </a:ext>
-                </a:extLst>
-              </p:cNvPr>
+              <p:cNvPr id="3" name="内容占位符 2"/>
               <p:cNvSpPr>
-                <a:spLocks noGrp="1" noRot="1" noChangeAspect="1" noMove="1" noResize="1" noEditPoints="1" noAdjustHandles="1" noChangeArrowheads="1" noChangeShapeType="1" noTextEdit="1"/>
+                <a:spLocks noRot="1" noChangeAspect="1" noMove="1" noResize="1" noEditPoints="1" noAdjustHandles="1" noChangeArrowheads="1" noChangeShapeType="1" noTextEdit="1"/>
               </p:cNvSpPr>
               <p:nvPr>
                 <p:ph sz="quarter" idx="1"/>
@@ -8990,10 +8870,10 @@
                 <a:off x="609600" y="1219200"/>
                 <a:ext cx="10972800" cy="3186545"/>
               </a:xfrm>
-              <a:blipFill>
-                <a:blip r:embed="rId2"/>
+              <a:blipFill rotWithShape="1">
+                <a:blip r:embed="rId1"/>
                 <a:stretch>
-                  <a:fillRect l="-500" t="-1721"/>
+                  <a:fillRect b="4"/>
                 </a:stretch>
               </a:blipFill>
             </p:spPr>
@@ -9013,11 +8893,6 @@
         </mc:Fallback>
       </mc:AlternateContent>
     </p:spTree>
-    <p:extLst>
-      <p:ext uri="{BB962C8B-B14F-4D97-AF65-F5344CB8AC3E}">
-        <p14:creationId xmlns:p14="http://schemas.microsoft.com/office/powerpoint/2010/main" val="1562486905"/>
-      </p:ext>
-    </p:extLst>
   </p:cSld>
   <p:clrMapOvr>
     <a:masterClrMapping/>
@@ -9419,13 +9294,7 @@
       </p:grpSpPr>
       <p:sp>
         <p:nvSpPr>
-          <p:cNvPr id="2" name="标题 1">
-            <a:extLst>
-              <a:ext uri="{FF2B5EF4-FFF2-40B4-BE49-F238E27FC236}">
-                <a16:creationId xmlns:a16="http://schemas.microsoft.com/office/drawing/2014/main" id="{274AAB8C-6C5B-E2E8-FFFB-D73F32000402}"/>
-              </a:ext>
-            </a:extLst>
-          </p:cNvPr>
+          <p:cNvPr id="2" name="标题 1"/>
           <p:cNvSpPr>
             <a:spLocks noGrp="1"/>
           </p:cNvSpPr>
@@ -9479,13 +9348,7 @@
       </p:sp>
       <p:sp>
         <p:nvSpPr>
-          <p:cNvPr id="3" name="内容占位符 2">
-            <a:extLst>
-              <a:ext uri="{FF2B5EF4-FFF2-40B4-BE49-F238E27FC236}">
-                <a16:creationId xmlns:a16="http://schemas.microsoft.com/office/drawing/2014/main" id="{E2681B75-3189-62AD-3380-8B51D9208F28}"/>
-              </a:ext>
-            </a:extLst>
-          </p:cNvPr>
+          <p:cNvPr id="3" name="内容占位符 2"/>
           <p:cNvSpPr>
             <a:spLocks noGrp="1"/>
           </p:cNvSpPr>
@@ -9541,15 +9404,11 @@
               <a:rPr lang="zh-CN" altLang="en-US"/>
               <a:t>都无法比最优解更优，直接剪掉。 </a:t>
             </a:r>
+            <a:endParaRPr lang="zh-CN" altLang="en-US"/>
           </a:p>
         </p:txBody>
       </p:sp>
     </p:spTree>
-    <p:extLst>
-      <p:ext uri="{BB962C8B-B14F-4D97-AF65-F5344CB8AC3E}">
-        <p14:creationId xmlns:p14="http://schemas.microsoft.com/office/powerpoint/2010/main" val="440085046"/>
-      </p:ext>
-    </p:extLst>
   </p:cSld>
   <p:clrMapOvr>
     <a:masterClrMapping/>
@@ -10163,13 +10022,7 @@
       </p:grpSpPr>
       <p:sp>
         <p:nvSpPr>
-          <p:cNvPr id="2" name="标题 1">
-            <a:extLst>
-              <a:ext uri="{FF2B5EF4-FFF2-40B4-BE49-F238E27FC236}">
-                <a16:creationId xmlns:a16="http://schemas.microsoft.com/office/drawing/2014/main" id="{274AAB8C-6C5B-E2E8-FFFB-D73F32000402}"/>
-              </a:ext>
-            </a:extLst>
-          </p:cNvPr>
+          <p:cNvPr id="2" name="标题 1"/>
           <p:cNvSpPr>
             <a:spLocks noGrp="1"/>
           </p:cNvSpPr>
@@ -10223,13 +10076,7 @@
       </p:sp>
       <p:sp>
         <p:nvSpPr>
-          <p:cNvPr id="3" name="内容占位符 2">
-            <a:extLst>
-              <a:ext uri="{FF2B5EF4-FFF2-40B4-BE49-F238E27FC236}">
-                <a16:creationId xmlns:a16="http://schemas.microsoft.com/office/drawing/2014/main" id="{E2681B75-3189-62AD-3380-8B51D9208F28}"/>
-              </a:ext>
-            </a:extLst>
-          </p:cNvPr>
+          <p:cNvPr id="3" name="内容占位符 2"/>
           <p:cNvSpPr>
             <a:spLocks noGrp="1"/>
           </p:cNvSpPr>
@@ -10280,15 +10127,11 @@
               <a:rPr lang="zh-CN" altLang="en-US"/>
               <a:t>注意，改变搜索顺序并不会直接导致搜索的状态数减少，但可以在剪枝 的时候剪去更多不合法的情况，达到加快搜索顺序的效果。</a:t>
             </a:r>
+            <a:endParaRPr lang="zh-CN" altLang="en-US"/>
           </a:p>
         </p:txBody>
       </p:sp>
     </p:spTree>
-    <p:extLst>
-      <p:ext uri="{BB962C8B-B14F-4D97-AF65-F5344CB8AC3E}">
-        <p14:creationId xmlns:p14="http://schemas.microsoft.com/office/powerpoint/2010/main" val="868058814"/>
-      </p:ext>
-    </p:extLst>
   </p:cSld>
   <p:clrMapOvr>
     <a:masterClrMapping/>
@@ -10946,11 +10789,6 @@
         </p:txBody>
       </p:sp>
     </p:spTree>
-    <p:extLst>
-      <p:ext uri="{BB962C8B-B14F-4D97-AF65-F5344CB8AC3E}">
-        <p14:creationId xmlns:p14="http://schemas.microsoft.com/office/powerpoint/2010/main" val="2693331936"/>
-      </p:ext>
-    </p:extLst>
   </p:cSld>
   <p:clrMapOvr>
     <a:masterClrMapping/>
@@ -11222,13 +11060,7 @@
       </p:grpSpPr>
       <p:sp>
         <p:nvSpPr>
-          <p:cNvPr id="2" name="标题 1">
-            <a:extLst>
-              <a:ext uri="{FF2B5EF4-FFF2-40B4-BE49-F238E27FC236}">
-                <a16:creationId xmlns:a16="http://schemas.microsoft.com/office/drawing/2014/main" id="{274AAB8C-6C5B-E2E8-FFFB-D73F32000402}"/>
-              </a:ext>
-            </a:extLst>
-          </p:cNvPr>
+          <p:cNvPr id="2" name="标题 1"/>
           <p:cNvSpPr>
             <a:spLocks noGrp="1"/>
           </p:cNvSpPr>
@@ -11253,18 +11085,13 @@
               <a:rPr lang="zh-CN" altLang="en-US"/>
               <a:t>幸运数字</a:t>
             </a:r>
+            <a:endParaRPr lang="zh-CN" altLang="en-US"/>
           </a:p>
         </p:txBody>
       </p:sp>
       <p:sp>
         <p:nvSpPr>
-          <p:cNvPr id="3" name="内容占位符 2">
-            <a:extLst>
-              <a:ext uri="{FF2B5EF4-FFF2-40B4-BE49-F238E27FC236}">
-                <a16:creationId xmlns:a16="http://schemas.microsoft.com/office/drawing/2014/main" id="{E2681B75-3189-62AD-3380-8B51D9208F28}"/>
-              </a:ext>
-            </a:extLst>
-          </p:cNvPr>
+          <p:cNvPr id="3" name="内容占位符 2"/>
           <p:cNvSpPr>
             <a:spLocks noGrp="1"/>
           </p:cNvSpPr>
@@ -11610,6 +11437,13 @@
               </a:rPr>
               <a:t> 都是“近似幸运号码”。</a:t>
             </a:r>
+            <a:endParaRPr lang="zh-CN" altLang="en-US" sz="2400" b="0" i="0">
+              <a:effectLst/>
+              <a:highlight>
+                <a:srgbClr val="FFFFFF"/>
+              </a:highlight>
+              <a:latin typeface="-apple-system"/>
+            </a:endParaRPr>
           </a:p>
           <a:p>
             <a:pPr marL="0" indent="0" algn="l">
@@ -11835,11 +11669,6 @@
         </p:txBody>
       </p:sp>
     </p:spTree>
-    <p:extLst>
-      <p:ext uri="{BB962C8B-B14F-4D97-AF65-F5344CB8AC3E}">
-        <p14:creationId xmlns:p14="http://schemas.microsoft.com/office/powerpoint/2010/main" val="1257153379"/>
-      </p:ext>
-    </p:extLst>
   </p:cSld>
   <p:clrMapOvr>
     <a:masterClrMapping/>
@@ -11866,13 +11695,7 @@
       </p:grpSpPr>
       <p:sp>
         <p:nvSpPr>
-          <p:cNvPr id="2" name="标题 1">
-            <a:extLst>
-              <a:ext uri="{FF2B5EF4-FFF2-40B4-BE49-F238E27FC236}">
-                <a16:creationId xmlns:a16="http://schemas.microsoft.com/office/drawing/2014/main" id="{274AAB8C-6C5B-E2E8-FFFB-D73F32000402}"/>
-              </a:ext>
-            </a:extLst>
-          </p:cNvPr>
+          <p:cNvPr id="2" name="标题 1"/>
           <p:cNvSpPr>
             <a:spLocks noGrp="1"/>
           </p:cNvSpPr>
@@ -11897,20 +11720,15 @@
               <a:rPr lang="zh-CN" altLang="en-US"/>
               <a:t>幸运数字</a:t>
             </a:r>
+            <a:endParaRPr lang="zh-CN" altLang="en-US"/>
           </a:p>
         </p:txBody>
       </p:sp>
-      <mc:AlternateContent xmlns:mc="http://schemas.openxmlformats.org/markup-compatibility/2006" xmlns:a14="http://schemas.microsoft.com/office/drawing/2010/main">
-        <mc:Choice Requires="a14">
+      <mc:AlternateContent xmlns:mc="http://schemas.openxmlformats.org/markup-compatibility/2006">
+        <mc:Choice xmlns:a14="http://schemas.microsoft.com/office/drawing/2010/main" Requires="a14">
           <p:sp>
             <p:nvSpPr>
-              <p:cNvPr id="3" name="内容占位符 2">
-                <a:extLst>
-                  <a:ext uri="{FF2B5EF4-FFF2-40B4-BE49-F238E27FC236}">
-                    <a16:creationId xmlns:a16="http://schemas.microsoft.com/office/drawing/2014/main" id="{E2681B75-3189-62AD-3380-8B51D9208F28}"/>
-                  </a:ext>
-                </a:extLst>
-              </p:cNvPr>
+              <p:cNvPr id="3" name="内容占位符 2"/>
               <p:cNvSpPr>
                 <a:spLocks noGrp="1"/>
               </p:cNvSpPr>
@@ -12223,7 +12041,19 @@
                         </a:highlight>
                         <a:latin typeface="Cambria Math" panose="02040503050406030204" pitchFamily="18" charset="0"/>
                       </a:rPr>
-                      <m:t>+1</m:t>
+                      <m:t>+</m:t>
+                    </m:r>
+                    <m:r>
+                      <a:rPr lang="en-US" altLang="zh-CN" b="0" i="1" smtClean="0">
+                        <a:solidFill>
+                          <a:srgbClr val="836967"/>
+                        </a:solidFill>
+                        <a:highlight>
+                          <a:srgbClr val="FFFFFF"/>
+                        </a:highlight>
+                        <a:latin typeface="Cambria Math" panose="02040503050406030204" pitchFamily="18" charset="0"/>
+                      </a:rPr>
+                      <m:t>1</m:t>
                     </m:r>
                   </m:oMath>
                 </a14:m>
@@ -12390,6 +12220,12 @@
                   </a:rPr>
                   <a:t>…</a:t>
                 </a:r>
+                <a:endParaRPr lang="en-US" altLang="zh-CN">
+                  <a:highlight>
+                    <a:srgbClr val="FFFFFF"/>
+                  </a:highlight>
+                  <a:latin typeface="KaTeX_Main"/>
+                </a:endParaRPr>
               </a:p>
               <a:p>
                 <a:pPr algn="l"/>
@@ -12450,6 +12286,13 @@
                   </a:rPr>
                   <a:t>，考虑剪枝</a:t>
                 </a:r>
+                <a:endParaRPr lang="zh-CN" altLang="en-US" b="0" i="0">
+                  <a:effectLst/>
+                  <a:highlight>
+                    <a:srgbClr val="FFFFFF"/>
+                  </a:highlight>
+                  <a:latin typeface="-apple-system"/>
+                </a:endParaRPr>
               </a:p>
               <a:p>
                 <a:endParaRPr lang="en-US" altLang="zh-CN"/>
@@ -12460,28 +12303,22 @@
             </p:txBody>
           </p:sp>
         </mc:Choice>
-        <mc:Fallback xmlns="">
+        <mc:Fallback>
           <p:sp>
             <p:nvSpPr>
-              <p:cNvPr id="3" name="内容占位符 2">
-                <a:extLst>
-                  <a:ext uri="{FF2B5EF4-FFF2-40B4-BE49-F238E27FC236}">
-                    <a16:creationId xmlns:a16="http://schemas.microsoft.com/office/drawing/2014/main" id="{E2681B75-3189-62AD-3380-8B51D9208F28}"/>
-                  </a:ext>
-                </a:extLst>
-              </p:cNvPr>
+              <p:cNvPr id="3" name="内容占位符 2"/>
               <p:cNvSpPr>
-                <a:spLocks noGrp="1" noRot="1" noChangeAspect="1" noMove="1" noResize="1" noEditPoints="1" noAdjustHandles="1" noChangeArrowheads="1" noChangeShapeType="1" noTextEdit="1"/>
+                <a:spLocks noRot="1" noChangeAspect="1" noMove="1" noResize="1" noEditPoints="1" noAdjustHandles="1" noChangeArrowheads="1" noChangeShapeType="1" noTextEdit="1"/>
               </p:cNvSpPr>
               <p:nvPr>
                 <p:ph sz="quarter" idx="1"/>
               </p:nvPr>
             </p:nvSpPr>
             <p:spPr>
-              <a:blipFill>
-                <a:blip r:embed="rId2"/>
+              <a:blipFill rotWithShape="1">
+                <a:blip r:embed="rId1"/>
                 <a:stretch>
-                  <a:fillRect l="-500" t="-1111" b="-1481"/>
+                  <a:fillRect b="-26119"/>
                 </a:stretch>
               </a:blipFill>
             </p:spPr>
@@ -12502,20 +12339,14 @@
       </mc:AlternateContent>
       <p:pic>
         <p:nvPicPr>
-          <p:cNvPr id="5" name="图片 4">
-            <a:extLst>
-              <a:ext uri="{FF2B5EF4-FFF2-40B4-BE49-F238E27FC236}">
-                <a16:creationId xmlns:a16="http://schemas.microsoft.com/office/drawing/2014/main" id="{5F25AB38-58F0-3201-DDC4-2E05FC8BB909}"/>
-              </a:ext>
-            </a:extLst>
-          </p:cNvPr>
+          <p:cNvPr id="5" name="图片 4"/>
           <p:cNvPicPr>
             <a:picLocks noChangeAspect="1"/>
           </p:cNvPicPr>
           <p:nvPr/>
         </p:nvPicPr>
         <p:blipFill>
-          <a:blip r:embed="rId3"/>
+          <a:blip r:embed="rId2"/>
           <a:stretch>
             <a:fillRect/>
           </a:stretch>
@@ -12531,11 +12362,6 @@
         </p:spPr>
       </p:pic>
     </p:spTree>
-    <p:extLst>
-      <p:ext uri="{BB962C8B-B14F-4D97-AF65-F5344CB8AC3E}">
-        <p14:creationId xmlns:p14="http://schemas.microsoft.com/office/powerpoint/2010/main" val="4203433283"/>
-      </p:ext>
-    </p:extLst>
   </p:cSld>
   <p:clrMapOvr>
     <a:masterClrMapping/>
@@ -13266,13 +13092,7 @@
       </p:grpSpPr>
       <p:sp>
         <p:nvSpPr>
-          <p:cNvPr id="2" name="标题 1">
-            <a:extLst>
-              <a:ext uri="{FF2B5EF4-FFF2-40B4-BE49-F238E27FC236}">
-                <a16:creationId xmlns:a16="http://schemas.microsoft.com/office/drawing/2014/main" id="{274AAB8C-6C5B-E2E8-FFFB-D73F32000402}"/>
-              </a:ext>
-            </a:extLst>
-          </p:cNvPr>
+          <p:cNvPr id="2" name="标题 1"/>
           <p:cNvSpPr>
             <a:spLocks noGrp="1"/>
           </p:cNvSpPr>
@@ -13297,18 +13117,13 @@
               <a:rPr lang="zh-CN" altLang="en-US"/>
               <a:t>幸运数字</a:t>
             </a:r>
+            <a:endParaRPr lang="zh-CN" altLang="en-US"/>
           </a:p>
         </p:txBody>
       </p:sp>
       <p:sp>
         <p:nvSpPr>
-          <p:cNvPr id="3" name="内容占位符 2">
-            <a:extLst>
-              <a:ext uri="{FF2B5EF4-FFF2-40B4-BE49-F238E27FC236}">
-                <a16:creationId xmlns:a16="http://schemas.microsoft.com/office/drawing/2014/main" id="{E2681B75-3189-62AD-3380-8B51D9208F28}"/>
-              </a:ext>
-            </a:extLst>
-          </p:cNvPr>
+          <p:cNvPr id="3" name="内容占位符 2"/>
           <p:cNvSpPr>
             <a:spLocks noGrp="1"/>
           </p:cNvSpPr>
@@ -13332,20 +13147,14 @@
       </p:sp>
       <p:pic>
         <p:nvPicPr>
-          <p:cNvPr id="6" name="图片 5">
-            <a:extLst>
-              <a:ext uri="{FF2B5EF4-FFF2-40B4-BE49-F238E27FC236}">
-                <a16:creationId xmlns:a16="http://schemas.microsoft.com/office/drawing/2014/main" id="{192E55A4-EE40-9313-91BE-5BC2243EF3A7}"/>
-              </a:ext>
-            </a:extLst>
-          </p:cNvPr>
+          <p:cNvPr id="6" name="图片 5"/>
           <p:cNvPicPr>
             <a:picLocks noChangeAspect="1"/>
           </p:cNvPicPr>
           <p:nvPr/>
         </p:nvPicPr>
         <p:blipFill>
-          <a:blip r:embed="rId2"/>
+          <a:blip r:embed="rId1"/>
           <a:stretch>
             <a:fillRect/>
           </a:stretch>
@@ -13361,11 +13170,6 @@
         </p:spPr>
       </p:pic>
     </p:spTree>
-    <p:extLst>
-      <p:ext uri="{BB962C8B-B14F-4D97-AF65-F5344CB8AC3E}">
-        <p14:creationId xmlns:p14="http://schemas.microsoft.com/office/powerpoint/2010/main" val="950623247"/>
-      </p:ext>
-    </p:extLst>
   </p:cSld>
   <p:clrMapOvr>
     <a:masterClrMapping/>
@@ -13392,13 +13196,7 @@
       </p:grpSpPr>
       <p:sp>
         <p:nvSpPr>
-          <p:cNvPr id="2" name="标题 1">
-            <a:extLst>
-              <a:ext uri="{FF2B5EF4-FFF2-40B4-BE49-F238E27FC236}">
-                <a16:creationId xmlns:a16="http://schemas.microsoft.com/office/drawing/2014/main" id="{AC951161-2E9A-9E75-AC14-280FA9A64C51}"/>
-              </a:ext>
-            </a:extLst>
-          </p:cNvPr>
+          <p:cNvPr id="2" name="标题 1"/>
           <p:cNvSpPr>
             <a:spLocks noGrp="1"/>
           </p:cNvSpPr>
@@ -13423,18 +13221,13 @@
               <a:rPr lang="zh-CN" altLang="en-US"/>
               <a:t>幸运数字</a:t>
             </a:r>
+            <a:endParaRPr lang="zh-CN" altLang="en-US"/>
           </a:p>
         </p:txBody>
       </p:sp>
       <p:pic>
         <p:nvPicPr>
-          <p:cNvPr id="5" name="内容占位符 4">
-            <a:extLst>
-              <a:ext uri="{FF2B5EF4-FFF2-40B4-BE49-F238E27FC236}">
-                <a16:creationId xmlns:a16="http://schemas.microsoft.com/office/drawing/2014/main" id="{686F0189-F4F0-B18E-1364-00E53ACC4F19}"/>
-              </a:ext>
-            </a:extLst>
-          </p:cNvPr>
+          <p:cNvPr id="5" name="内容占位符 4"/>
           <p:cNvPicPr>
             <a:picLocks noGrp="1" noChangeAspect="1"/>
           </p:cNvPicPr>
@@ -13443,7 +13236,7 @@
           </p:nvPr>
         </p:nvPicPr>
         <p:blipFill>
-          <a:blip r:embed="rId2"/>
+          <a:blip r:embed="rId1"/>
           <a:stretch>
             <a:fillRect/>
           </a:stretch>
@@ -13456,11 +13249,6 @@
         </p:spPr>
       </p:pic>
     </p:spTree>
-    <p:extLst>
-      <p:ext uri="{BB962C8B-B14F-4D97-AF65-F5344CB8AC3E}">
-        <p14:creationId xmlns:p14="http://schemas.microsoft.com/office/powerpoint/2010/main" val="3797424481"/>
-      </p:ext>
-    </p:extLst>
   </p:cSld>
   <p:clrMapOvr>
     <a:masterClrMapping/>
@@ -13487,13 +13275,7 @@
       </p:grpSpPr>
       <p:sp>
         <p:nvSpPr>
-          <p:cNvPr id="2" name="标题 1">
-            <a:extLst>
-              <a:ext uri="{FF2B5EF4-FFF2-40B4-BE49-F238E27FC236}">
-                <a16:creationId xmlns:a16="http://schemas.microsoft.com/office/drawing/2014/main" id="{274AAB8C-6C5B-E2E8-FFFB-D73F32000402}"/>
-              </a:ext>
-            </a:extLst>
-          </p:cNvPr>
+          <p:cNvPr id="2" name="标题 1"/>
           <p:cNvSpPr>
             <a:spLocks noGrp="1"/>
           </p:cNvSpPr>
@@ -13518,18 +13300,13 @@
               <a:rPr lang="zh-CN" altLang="en-US"/>
               <a:t>幸运数字</a:t>
             </a:r>
+            <a:endParaRPr lang="zh-CN" altLang="en-US"/>
           </a:p>
         </p:txBody>
       </p:sp>
       <p:sp>
         <p:nvSpPr>
-          <p:cNvPr id="3" name="内容占位符 2">
-            <a:extLst>
-              <a:ext uri="{FF2B5EF4-FFF2-40B4-BE49-F238E27FC236}">
-                <a16:creationId xmlns:a16="http://schemas.microsoft.com/office/drawing/2014/main" id="{E2681B75-3189-62AD-3380-8B51D9208F28}"/>
-              </a:ext>
-            </a:extLst>
-          </p:cNvPr>
+          <p:cNvPr id="3" name="内容占位符 2"/>
           <p:cNvSpPr>
             <a:spLocks noGrp="1"/>
           </p:cNvSpPr>
@@ -13952,11 +13729,6 @@
         </p:txBody>
       </p:sp>
     </p:spTree>
-    <p:extLst>
-      <p:ext uri="{BB962C8B-B14F-4D97-AF65-F5344CB8AC3E}">
-        <p14:creationId xmlns:p14="http://schemas.microsoft.com/office/powerpoint/2010/main" val="3691097398"/>
-      </p:ext>
-    </p:extLst>
   </p:cSld>
   <p:clrMapOvr>
     <a:masterClrMapping/>
@@ -14588,13 +14360,7 @@
       </p:grpSpPr>
       <p:sp>
         <p:nvSpPr>
-          <p:cNvPr id="2" name="标题 1">
-            <a:extLst>
-              <a:ext uri="{FF2B5EF4-FFF2-40B4-BE49-F238E27FC236}">
-                <a16:creationId xmlns:a16="http://schemas.microsoft.com/office/drawing/2014/main" id="{274AAB8C-6C5B-E2E8-FFFB-D73F32000402}"/>
-              </a:ext>
-            </a:extLst>
-          </p:cNvPr>
+          <p:cNvPr id="2" name="标题 1"/>
           <p:cNvSpPr>
             <a:spLocks noGrp="1"/>
           </p:cNvSpPr>
@@ -14627,18 +14393,13 @@
               <a:rPr lang="zh-CN" altLang="en-US"/>
               <a:t>斗地主</a:t>
             </a:r>
+            <a:endParaRPr lang="zh-CN" altLang="en-US"/>
           </a:p>
         </p:txBody>
       </p:sp>
       <p:sp>
         <p:nvSpPr>
-          <p:cNvPr id="3" name="内容占位符 2">
-            <a:extLst>
-              <a:ext uri="{FF2B5EF4-FFF2-40B4-BE49-F238E27FC236}">
-                <a16:creationId xmlns:a16="http://schemas.microsoft.com/office/drawing/2014/main" id="{E2681B75-3189-62AD-3380-8B51D9208F28}"/>
-              </a:ext>
-            </a:extLst>
-          </p:cNvPr>
+          <p:cNvPr id="3" name="内容占位符 2"/>
           <p:cNvSpPr>
             <a:spLocks noGrp="1"/>
           </p:cNvSpPr>
@@ -14653,55 +14414,55 @@
           <a:p>
             <a:r>
               <a:rPr lang="en-US" altLang="zh-CN">
-                <a:hlinkClick r:id="rId2"/>
+                <a:hlinkClick r:id="rId1"/>
               </a:rPr>
               <a:t>P2668 [NOIP2015 </a:t>
             </a:r>
             <a:r>
               <a:rPr lang="zh-CN" altLang="en-US">
-                <a:hlinkClick r:id="rId2"/>
+                <a:hlinkClick r:id="rId1"/>
               </a:rPr>
               <a:t>提高组</a:t>
             </a:r>
             <a:r>
               <a:rPr lang="en-US" altLang="zh-CN">
-                <a:hlinkClick r:id="rId2"/>
+                <a:hlinkClick r:id="rId1"/>
               </a:rPr>
               <a:t>] </a:t>
             </a:r>
             <a:r>
               <a:rPr lang="zh-CN" altLang="en-US">
-                <a:hlinkClick r:id="rId2"/>
+                <a:hlinkClick r:id="rId1"/>
               </a:rPr>
               <a:t>斗地主 </a:t>
             </a:r>
             <a:r>
               <a:rPr lang="en-US" altLang="zh-CN">
-                <a:hlinkClick r:id="rId2"/>
+                <a:hlinkClick r:id="rId1"/>
               </a:rPr>
               <a:t>- </a:t>
             </a:r>
             <a:r>
               <a:rPr lang="zh-CN" altLang="en-US">
-                <a:hlinkClick r:id="rId2"/>
+                <a:hlinkClick r:id="rId1"/>
               </a:rPr>
               <a:t>洛谷 </a:t>
             </a:r>
             <a:r>
               <a:rPr lang="en-US" altLang="zh-CN">
-                <a:hlinkClick r:id="rId2"/>
+                <a:hlinkClick r:id="rId1"/>
               </a:rPr>
               <a:t>| </a:t>
             </a:r>
             <a:r>
               <a:rPr lang="zh-CN" altLang="en-US">
-                <a:hlinkClick r:id="rId2"/>
+                <a:hlinkClick r:id="rId1"/>
               </a:rPr>
               <a:t>计算机科学教育新生态 </a:t>
             </a:r>
             <a:r>
               <a:rPr lang="en-US" altLang="zh-CN">
-                <a:hlinkClick r:id="rId2"/>
+                <a:hlinkClick r:id="rId1"/>
               </a:rPr>
               <a:t>(luogu.com.cn)</a:t>
             </a:r>
@@ -14710,11 +14471,6 @@
         </p:txBody>
       </p:sp>
     </p:spTree>
-    <p:extLst>
-      <p:ext uri="{BB962C8B-B14F-4D97-AF65-F5344CB8AC3E}">
-        <p14:creationId xmlns:p14="http://schemas.microsoft.com/office/powerpoint/2010/main" val="2915164677"/>
-      </p:ext>
-    </p:extLst>
   </p:cSld>
   <p:clrMapOvr>
     <a:masterClrMapping/>
@@ -14741,13 +14497,7 @@
       </p:grpSpPr>
       <p:sp>
         <p:nvSpPr>
-          <p:cNvPr id="2" name="标题 1">
-            <a:extLst>
-              <a:ext uri="{FF2B5EF4-FFF2-40B4-BE49-F238E27FC236}">
-                <a16:creationId xmlns:a16="http://schemas.microsoft.com/office/drawing/2014/main" id="{274AAB8C-6C5B-E2E8-FFFB-D73F32000402}"/>
-              </a:ext>
-            </a:extLst>
-          </p:cNvPr>
+          <p:cNvPr id="2" name="标题 1"/>
           <p:cNvSpPr>
             <a:spLocks noGrp="1"/>
           </p:cNvSpPr>
@@ -14780,18 +14530,13 @@
               <a:rPr lang="zh-CN" altLang="en-US"/>
               <a:t>斗地主</a:t>
             </a:r>
+            <a:endParaRPr lang="zh-CN" altLang="en-US"/>
           </a:p>
         </p:txBody>
       </p:sp>
       <p:sp>
         <p:nvSpPr>
-          <p:cNvPr id="6" name="内容占位符 5">
-            <a:extLst>
-              <a:ext uri="{FF2B5EF4-FFF2-40B4-BE49-F238E27FC236}">
-                <a16:creationId xmlns:a16="http://schemas.microsoft.com/office/drawing/2014/main" id="{0F7FF608-963A-8307-3D65-156D1D79FFDD}"/>
-              </a:ext>
-            </a:extLst>
-          </p:cNvPr>
+          <p:cNvPr id="6" name="内容占位符 5"/>
           <p:cNvSpPr>
             <a:spLocks noGrp="1"/>
           </p:cNvSpPr>
@@ -14829,20 +14574,14 @@
       </p:sp>
       <p:pic>
         <p:nvPicPr>
-          <p:cNvPr id="1028" name="Picture 4">
-            <a:extLst>
-              <a:ext uri="{FF2B5EF4-FFF2-40B4-BE49-F238E27FC236}">
-                <a16:creationId xmlns:a16="http://schemas.microsoft.com/office/drawing/2014/main" id="{3895BE15-034B-0642-2178-676F7998A52C}"/>
-              </a:ext>
-            </a:extLst>
-          </p:cNvPr>
+          <p:cNvPr id="1028" name="Picture 4"/>
           <p:cNvPicPr>
             <a:picLocks noChangeAspect="1" noChangeArrowheads="1"/>
           </p:cNvPicPr>
           <p:nvPr/>
         </p:nvPicPr>
         <p:blipFill>
-          <a:blip r:embed="rId2">
+          <a:blip r:embed="rId1">
             <a:extLst>
               <a:ext uri="{28A0092B-C50C-407E-A947-70E740481C1C}">
                 <a14:useLocalDpi xmlns:a14="http://schemas.microsoft.com/office/drawing/2010/main" val="0"/>
@@ -14875,11 +14614,6 @@
         </p:spPr>
       </p:pic>
     </p:spTree>
-    <p:extLst>
-      <p:ext uri="{BB962C8B-B14F-4D97-AF65-F5344CB8AC3E}">
-        <p14:creationId xmlns:p14="http://schemas.microsoft.com/office/powerpoint/2010/main" val="3141979056"/>
-      </p:ext>
-    </p:extLst>
   </p:cSld>
   <p:clrMapOvr>
     <a:masterClrMapping/>
@@ -15265,13 +14999,7 @@
       </p:grpSpPr>
       <p:sp>
         <p:nvSpPr>
-          <p:cNvPr id="2" name="标题 1">
-            <a:extLst>
-              <a:ext uri="{FF2B5EF4-FFF2-40B4-BE49-F238E27FC236}">
-                <a16:creationId xmlns:a16="http://schemas.microsoft.com/office/drawing/2014/main" id="{274AAB8C-6C5B-E2E8-FFFB-D73F32000402}"/>
-              </a:ext>
-            </a:extLst>
-          </p:cNvPr>
+          <p:cNvPr id="2" name="标题 1"/>
           <p:cNvSpPr>
             <a:spLocks noGrp="1"/>
           </p:cNvSpPr>
@@ -15304,18 +15032,13 @@
               <a:rPr lang="zh-CN" altLang="en-US"/>
               <a:t>斗地主</a:t>
             </a:r>
+            <a:endParaRPr lang="zh-CN" altLang="en-US"/>
           </a:p>
         </p:txBody>
       </p:sp>
       <p:sp>
         <p:nvSpPr>
-          <p:cNvPr id="6" name="内容占位符 5">
-            <a:extLst>
-              <a:ext uri="{FF2B5EF4-FFF2-40B4-BE49-F238E27FC236}">
-                <a16:creationId xmlns:a16="http://schemas.microsoft.com/office/drawing/2014/main" id="{0F7FF608-963A-8307-3D65-156D1D79FFDD}"/>
-              </a:ext>
-            </a:extLst>
-          </p:cNvPr>
+          <p:cNvPr id="6" name="内容占位符 5"/>
           <p:cNvSpPr>
             <a:spLocks noGrp="1"/>
           </p:cNvSpPr>
@@ -15346,20 +15069,14 @@
       </p:sp>
       <p:pic>
         <p:nvPicPr>
-          <p:cNvPr id="4" name="图片 3">
-            <a:extLst>
-              <a:ext uri="{FF2B5EF4-FFF2-40B4-BE49-F238E27FC236}">
-                <a16:creationId xmlns:a16="http://schemas.microsoft.com/office/drawing/2014/main" id="{933CFC1B-D272-CB10-13D7-B456EE0F2422}"/>
-              </a:ext>
-            </a:extLst>
-          </p:cNvPr>
+          <p:cNvPr id="4" name="图片 3"/>
           <p:cNvPicPr>
             <a:picLocks noChangeAspect="1"/>
           </p:cNvPicPr>
           <p:nvPr/>
         </p:nvPicPr>
         <p:blipFill>
-          <a:blip r:embed="rId2"/>
+          <a:blip r:embed="rId1"/>
           <a:stretch>
             <a:fillRect/>
           </a:stretch>
@@ -15375,11 +15092,6 @@
         </p:spPr>
       </p:pic>
     </p:spTree>
-    <p:extLst>
-      <p:ext uri="{BB962C8B-B14F-4D97-AF65-F5344CB8AC3E}">
-        <p14:creationId xmlns:p14="http://schemas.microsoft.com/office/powerpoint/2010/main" val="1924999959"/>
-      </p:ext>
-    </p:extLst>
   </p:cSld>
   <p:clrMapOvr>
     <a:masterClrMapping/>
@@ -15650,13 +15362,7 @@
       </p:grpSpPr>
       <p:sp>
         <p:nvSpPr>
-          <p:cNvPr id="2" name="标题 1">
-            <a:extLst>
-              <a:ext uri="{FF2B5EF4-FFF2-40B4-BE49-F238E27FC236}">
-                <a16:creationId xmlns:a16="http://schemas.microsoft.com/office/drawing/2014/main" id="{274AAB8C-6C5B-E2E8-FFFB-D73F32000402}"/>
-              </a:ext>
-            </a:extLst>
-          </p:cNvPr>
+          <p:cNvPr id="2" name="标题 1"/>
           <p:cNvSpPr>
             <a:spLocks noGrp="1"/>
           </p:cNvSpPr>
@@ -15689,18 +15395,13 @@
               <a:rPr lang="zh-CN" altLang="en-US"/>
               <a:t>斗地主</a:t>
             </a:r>
+            <a:endParaRPr lang="zh-CN" altLang="en-US"/>
           </a:p>
         </p:txBody>
       </p:sp>
       <p:sp>
         <p:nvSpPr>
-          <p:cNvPr id="6" name="内容占位符 5">
-            <a:extLst>
-              <a:ext uri="{FF2B5EF4-FFF2-40B4-BE49-F238E27FC236}">
-                <a16:creationId xmlns:a16="http://schemas.microsoft.com/office/drawing/2014/main" id="{0F7FF608-963A-8307-3D65-156D1D79FFDD}"/>
-              </a:ext>
-            </a:extLst>
-          </p:cNvPr>
+          <p:cNvPr id="6" name="内容占位符 5"/>
           <p:cNvSpPr>
             <a:spLocks noGrp="1"/>
           </p:cNvSpPr>
@@ -15731,20 +15432,14 @@
       </p:sp>
       <p:pic>
         <p:nvPicPr>
-          <p:cNvPr id="8" name="图片 7">
-            <a:extLst>
-              <a:ext uri="{FF2B5EF4-FFF2-40B4-BE49-F238E27FC236}">
-                <a16:creationId xmlns:a16="http://schemas.microsoft.com/office/drawing/2014/main" id="{9F62AEF5-F71F-ADD1-4F33-2EFAD681F02A}"/>
-              </a:ext>
-            </a:extLst>
-          </p:cNvPr>
+          <p:cNvPr id="8" name="图片 7"/>
           <p:cNvPicPr>
             <a:picLocks noChangeAspect="1"/>
           </p:cNvPicPr>
           <p:nvPr/>
         </p:nvPicPr>
         <p:blipFill>
-          <a:blip r:embed="rId2"/>
+          <a:blip r:embed="rId1"/>
           <a:stretch>
             <a:fillRect/>
           </a:stretch>
@@ -15761,20 +15456,14 @@
       </p:pic>
       <p:pic>
         <p:nvPicPr>
-          <p:cNvPr id="10" name="图片 9">
-            <a:extLst>
-              <a:ext uri="{FF2B5EF4-FFF2-40B4-BE49-F238E27FC236}">
-                <a16:creationId xmlns:a16="http://schemas.microsoft.com/office/drawing/2014/main" id="{419899BC-82F7-E35F-973D-36AC1EECC4DF}"/>
-              </a:ext>
-            </a:extLst>
-          </p:cNvPr>
+          <p:cNvPr id="10" name="图片 9"/>
           <p:cNvPicPr>
             <a:picLocks noChangeAspect="1"/>
           </p:cNvPicPr>
           <p:nvPr/>
         </p:nvPicPr>
         <p:blipFill>
-          <a:blip r:embed="rId3"/>
+          <a:blip r:embed="rId2"/>
           <a:stretch>
             <a:fillRect/>
           </a:stretch>
@@ -15791,20 +15480,14 @@
       </p:pic>
       <p:pic>
         <p:nvPicPr>
-          <p:cNvPr id="14" name="图片 13">
-            <a:extLst>
-              <a:ext uri="{FF2B5EF4-FFF2-40B4-BE49-F238E27FC236}">
-                <a16:creationId xmlns:a16="http://schemas.microsoft.com/office/drawing/2014/main" id="{9B687EDD-9094-D12D-B3CB-A8487BA94590}"/>
-              </a:ext>
-            </a:extLst>
-          </p:cNvPr>
+          <p:cNvPr id="14" name="图片 13"/>
           <p:cNvPicPr>
             <a:picLocks noChangeAspect="1"/>
           </p:cNvPicPr>
           <p:nvPr/>
         </p:nvPicPr>
         <p:blipFill>
-          <a:blip r:embed="rId4"/>
+          <a:blip r:embed="rId3"/>
           <a:stretch>
             <a:fillRect/>
           </a:stretch>
@@ -15821,20 +15504,14 @@
       </p:pic>
       <p:pic>
         <p:nvPicPr>
-          <p:cNvPr id="16" name="图片 15">
-            <a:extLst>
-              <a:ext uri="{FF2B5EF4-FFF2-40B4-BE49-F238E27FC236}">
-                <a16:creationId xmlns:a16="http://schemas.microsoft.com/office/drawing/2014/main" id="{15816D72-4F31-EE0B-785F-23E060FF6822}"/>
-              </a:ext>
-            </a:extLst>
-          </p:cNvPr>
+          <p:cNvPr id="16" name="图片 15"/>
           <p:cNvPicPr>
             <a:picLocks noChangeAspect="1"/>
           </p:cNvPicPr>
           <p:nvPr/>
         </p:nvPicPr>
         <p:blipFill>
-          <a:blip r:embed="rId5"/>
+          <a:blip r:embed="rId4"/>
           <a:stretch>
             <a:fillRect/>
           </a:stretch>
@@ -15851,13 +15528,7 @@
       </p:pic>
       <p:sp>
         <p:nvSpPr>
-          <p:cNvPr id="17" name="文本框 16">
-            <a:extLst>
-              <a:ext uri="{FF2B5EF4-FFF2-40B4-BE49-F238E27FC236}">
-                <a16:creationId xmlns:a16="http://schemas.microsoft.com/office/drawing/2014/main" id="{C56B1AAE-ACEB-7380-48B6-452C693B2259}"/>
-              </a:ext>
-            </a:extLst>
-          </p:cNvPr>
+          <p:cNvPr id="17" name="文本框 16"/>
           <p:cNvSpPr txBox="1"/>
           <p:nvPr/>
         </p:nvSpPr>
@@ -15881,25 +15552,20 @@
               <a:rPr lang="zh-CN" altLang="en-US" sz="2400"/>
               <a:t>每次搜索确定边界：</a:t>
             </a:r>
+            <a:endParaRPr lang="zh-CN" altLang="en-US" sz="2400"/>
           </a:p>
         </p:txBody>
       </p:sp>
       <p:pic>
         <p:nvPicPr>
-          <p:cNvPr id="19" name="图片 18">
-            <a:extLst>
-              <a:ext uri="{FF2B5EF4-FFF2-40B4-BE49-F238E27FC236}">
-                <a16:creationId xmlns:a16="http://schemas.microsoft.com/office/drawing/2014/main" id="{14D86A1C-E210-0890-D220-6363E4801063}"/>
-              </a:ext>
-            </a:extLst>
-          </p:cNvPr>
+          <p:cNvPr id="19" name="图片 18"/>
           <p:cNvPicPr>
             <a:picLocks noChangeAspect="1"/>
           </p:cNvPicPr>
           <p:nvPr/>
         </p:nvPicPr>
         <p:blipFill>
-          <a:blip r:embed="rId6"/>
+          <a:blip r:embed="rId5"/>
           <a:stretch>
             <a:fillRect/>
           </a:stretch>
@@ -15915,11 +15581,6 @@
         </p:spPr>
       </p:pic>
     </p:spTree>
-    <p:extLst>
-      <p:ext uri="{BB962C8B-B14F-4D97-AF65-F5344CB8AC3E}">
-        <p14:creationId xmlns:p14="http://schemas.microsoft.com/office/powerpoint/2010/main" val="1868546097"/>
-      </p:ext>
-    </p:extLst>
   </p:cSld>
   <p:clrMapOvr>
     <a:masterClrMapping/>
@@ -16764,11 +16425,6 @@
         </p:txBody>
       </p:sp>
     </p:spTree>
-    <p:extLst>
-      <p:ext uri="{BB962C8B-B14F-4D97-AF65-F5344CB8AC3E}">
-        <p14:creationId xmlns:p14="http://schemas.microsoft.com/office/powerpoint/2010/main" val="1679102866"/>
-      </p:ext>
-    </p:extLst>
   </p:cSld>
   <p:clrMapOvr>
     <a:masterClrMapping/>
@@ -17245,6 +16901,7 @@
               <a:rPr lang="zh-CN" altLang="en-US"/>
               <a:t>）在探索过程中，一旦发现原来的选择是错误的，就退回一步重新选择，继续向前探索；</a:t>
             </a:r>
+            <a:endParaRPr lang="zh-CN" altLang="en-US"/>
           </a:p>
           <a:p>
             <a:pPr marL="0" indent="0">
@@ -17262,6 +16919,7 @@
               <a:rPr lang="zh-CN" altLang="en-US"/>
               <a:t>）如此反复进行，直至得到解或证明无解。</a:t>
             </a:r>
+            <a:endParaRPr lang="zh-CN" altLang="en-US"/>
           </a:p>
           <a:p>
             <a:r>
@@ -17282,11 +16940,6 @@
         </p:txBody>
       </p:sp>
     </p:spTree>
-    <p:extLst>
-      <p:ext uri="{BB962C8B-B14F-4D97-AF65-F5344CB8AC3E}">
-        <p14:creationId xmlns:p14="http://schemas.microsoft.com/office/powerpoint/2010/main" val="1262140819"/>
-      </p:ext>
-    </p:extLst>
   </p:cSld>
   <p:clrMapOvr>
     <a:masterClrMapping/>
@@ -18042,20 +17695,14 @@
       </p:sp>
       <p:pic>
         <p:nvPicPr>
-          <p:cNvPr id="14" name="图片 13">
-            <a:extLst>
-              <a:ext uri="{FF2B5EF4-FFF2-40B4-BE49-F238E27FC236}">
-                <a16:creationId xmlns:a16="http://schemas.microsoft.com/office/drawing/2014/main" id="{A6D8D9D3-E1C6-4BAE-0D1A-D96AC1AC8E63}"/>
-              </a:ext>
-            </a:extLst>
-          </p:cNvPr>
+          <p:cNvPr id="14" name="图片 13"/>
           <p:cNvPicPr>
             <a:picLocks noChangeAspect="1"/>
           </p:cNvPicPr>
           <p:nvPr/>
         </p:nvPicPr>
         <p:blipFill>
-          <a:blip r:embed="rId2"/>
+          <a:blip r:embed="rId1"/>
           <a:stretch>
             <a:fillRect/>
           </a:stretch>
@@ -18071,11 +17718,6 @@
         </p:spPr>
       </p:pic>
     </p:spTree>
-    <p:extLst>
-      <p:ext uri="{BB962C8B-B14F-4D97-AF65-F5344CB8AC3E}">
-        <p14:creationId xmlns:p14="http://schemas.microsoft.com/office/powerpoint/2010/main" val="4046200169"/>
-      </p:ext>
-    </p:extLst>
   </p:cSld>
   <p:clrMapOvr>
     <a:masterClrMapping/>
@@ -18407,20 +18049,14 @@
       </p:sp>
       <p:pic>
         <p:nvPicPr>
-          <p:cNvPr id="13" name="图片 12">
-            <a:extLst>
-              <a:ext uri="{FF2B5EF4-FFF2-40B4-BE49-F238E27FC236}">
-                <a16:creationId xmlns:a16="http://schemas.microsoft.com/office/drawing/2014/main" id="{A3DC99B2-B55D-F50A-1661-DF9945EFD75E}"/>
-              </a:ext>
-            </a:extLst>
-          </p:cNvPr>
+          <p:cNvPr id="13" name="图片 12"/>
           <p:cNvPicPr>
             <a:picLocks noChangeAspect="1"/>
           </p:cNvPicPr>
           <p:nvPr/>
         </p:nvPicPr>
         <p:blipFill>
-          <a:blip r:embed="rId2"/>
+          <a:blip r:embed="rId1"/>
           <a:stretch>
             <a:fillRect/>
           </a:stretch>
@@ -18436,11 +18072,6 @@
         </p:spPr>
       </p:pic>
     </p:spTree>
-    <p:extLst>
-      <p:ext uri="{BB962C8B-B14F-4D97-AF65-F5344CB8AC3E}">
-        <p14:creationId xmlns:p14="http://schemas.microsoft.com/office/powerpoint/2010/main" val="2238490520"/>
-      </p:ext>
-    </p:extLst>
   </p:cSld>
   <p:clrMapOvr>
     <a:masterClrMapping/>
@@ -18745,8 +18376,8 @@
           </a:p>
         </p:txBody>
       </p:sp>
-      <mc:AlternateContent xmlns:mc="http://schemas.openxmlformats.org/markup-compatibility/2006" xmlns:a14="http://schemas.microsoft.com/office/drawing/2010/main">
-        <mc:Choice Requires="a14">
+      <mc:AlternateContent xmlns:mc="http://schemas.openxmlformats.org/markup-compatibility/2006">
+        <mc:Choice xmlns:a14="http://schemas.microsoft.com/office/drawing/2010/main" Requires="a14">
           <p:sp>
             <p:nvSpPr>
               <p:cNvPr id="3" name="内容占位符 2"/>
@@ -18848,22 +18479,22 @@
             </p:txBody>
           </p:sp>
         </mc:Choice>
-        <mc:Fallback xmlns="">
+        <mc:Fallback>
           <p:sp>
             <p:nvSpPr>
               <p:cNvPr id="3" name="内容占位符 2"/>
               <p:cNvSpPr>
-                <a:spLocks noGrp="1" noRot="1" noChangeAspect="1" noMove="1" noResize="1" noEditPoints="1" noAdjustHandles="1" noChangeArrowheads="1" noChangeShapeType="1" noTextEdit="1"/>
+                <a:spLocks noRot="1" noChangeAspect="1" noMove="1" noResize="1" noEditPoints="1" noAdjustHandles="1" noChangeArrowheads="1" noChangeShapeType="1" noTextEdit="1"/>
               </p:cNvSpPr>
               <p:nvPr>
                 <p:ph sz="quarter" idx="1"/>
               </p:nvPr>
             </p:nvSpPr>
             <p:spPr>
-              <a:blipFill>
-                <a:blip r:embed="rId2"/>
+              <a:blipFill rotWithShape="1">
+                <a:blip r:embed="rId1"/>
                 <a:stretch>
-                  <a:fillRect l="-1000" t="-1111"/>
+                  <a:fillRect/>
                 </a:stretch>
               </a:blipFill>
             </p:spPr>
@@ -18884,20 +18515,14 @@
       </mc:AlternateContent>
       <p:pic>
         <p:nvPicPr>
-          <p:cNvPr id="4" name="图片 3">
-            <a:extLst>
-              <a:ext uri="{FF2B5EF4-FFF2-40B4-BE49-F238E27FC236}">
-                <a16:creationId xmlns:a16="http://schemas.microsoft.com/office/drawing/2014/main" id="{F10C6E4F-D30E-7901-E80F-993082E9BC28}"/>
-              </a:ext>
-            </a:extLst>
-          </p:cNvPr>
+          <p:cNvPr id="4" name="图片 3"/>
           <p:cNvPicPr>
             <a:picLocks noChangeAspect="1"/>
           </p:cNvPicPr>
           <p:nvPr/>
         </p:nvPicPr>
         <p:blipFill>
-          <a:blip r:embed="rId3"/>
+          <a:blip r:embed="rId2"/>
           <a:stretch>
             <a:fillRect/>
           </a:stretch>
@@ -18913,11 +18538,6 @@
         </p:spPr>
       </p:pic>
     </p:spTree>
-    <p:extLst>
-      <p:ext uri="{BB962C8B-B14F-4D97-AF65-F5344CB8AC3E}">
-        <p14:creationId xmlns:p14="http://schemas.microsoft.com/office/powerpoint/2010/main" val="926638177"/>
-      </p:ext>
-    </p:extLst>
   </p:cSld>
   <p:clrMapOvr>
     <a:masterClrMapping/>
@@ -19337,8 +18957,8 @@
           </a:p>
         </p:txBody>
       </p:sp>
-      <mc:AlternateContent xmlns:mc="http://schemas.openxmlformats.org/markup-compatibility/2006" xmlns:a14="http://schemas.microsoft.com/office/drawing/2010/main">
-        <mc:Choice Requires="a14">
+      <mc:AlternateContent xmlns:mc="http://schemas.openxmlformats.org/markup-compatibility/2006">
+        <mc:Choice xmlns:a14="http://schemas.microsoft.com/office/drawing/2010/main" Requires="a14">
           <p:sp>
             <p:nvSpPr>
               <p:cNvPr id="3" name="内容占位符 2"/>
@@ -19380,7 +19000,7 @@
                   <a:rPr lang="en-US" altLang="zh-CN">
                     <a:latin typeface="Consolas" panose="020B0609020204030204" pitchFamily="49" charset="0"/>
                   </a:rPr>
-                  <a:t>1</a:t>
+                  <a:t>2</a:t>
                 </a:r>
                 <a:r>
                   <a:rPr lang="zh-CN" altLang="en-US">
@@ -19449,22 +19069,22 @@
             </p:txBody>
           </p:sp>
         </mc:Choice>
-        <mc:Fallback xmlns="">
+        <mc:Fallback>
           <p:sp>
             <p:nvSpPr>
               <p:cNvPr id="3" name="内容占位符 2"/>
               <p:cNvSpPr>
-                <a:spLocks noGrp="1" noRot="1" noChangeAspect="1" noMove="1" noResize="1" noEditPoints="1" noAdjustHandles="1" noChangeArrowheads="1" noChangeShapeType="1" noTextEdit="1"/>
+                <a:spLocks noRot="1" noChangeAspect="1" noMove="1" noResize="1" noEditPoints="1" noAdjustHandles="1" noChangeArrowheads="1" noChangeShapeType="1" noTextEdit="1"/>
               </p:cNvSpPr>
               <p:nvPr>
                 <p:ph sz="quarter" idx="1"/>
               </p:nvPr>
             </p:nvSpPr>
             <p:spPr>
-              <a:blipFill>
-                <a:blip r:embed="rId2"/>
+              <a:blipFill rotWithShape="1">
+                <a:blip r:embed="rId1"/>
                 <a:stretch>
-                  <a:fillRect l="-1000" t="-1111"/>
+                  <a:fillRect/>
                 </a:stretch>
               </a:blipFill>
             </p:spPr>
@@ -19485,20 +19105,14 @@
       </mc:AlternateContent>
       <p:pic>
         <p:nvPicPr>
-          <p:cNvPr id="6" name="图片 5">
-            <a:extLst>
-              <a:ext uri="{FF2B5EF4-FFF2-40B4-BE49-F238E27FC236}">
-                <a16:creationId xmlns:a16="http://schemas.microsoft.com/office/drawing/2014/main" id="{68741774-BABC-CF3F-C5E8-405AABE38BE7}"/>
-              </a:ext>
-            </a:extLst>
-          </p:cNvPr>
+          <p:cNvPr id="6" name="图片 5"/>
           <p:cNvPicPr>
             <a:picLocks noChangeAspect="1"/>
           </p:cNvPicPr>
           <p:nvPr/>
         </p:nvPicPr>
         <p:blipFill>
-          <a:blip r:embed="rId3"/>
+          <a:blip r:embed="rId2"/>
           <a:stretch>
             <a:fillRect/>
           </a:stretch>
@@ -19515,13 +19129,7 @@
       </p:pic>
       <p:sp>
         <p:nvSpPr>
-          <p:cNvPr id="7" name="箭头: 右 6">
-            <a:extLst>
-              <a:ext uri="{FF2B5EF4-FFF2-40B4-BE49-F238E27FC236}">
-                <a16:creationId xmlns:a16="http://schemas.microsoft.com/office/drawing/2014/main" id="{74E0A761-7110-8322-75B2-3363E53837A4}"/>
-              </a:ext>
-            </a:extLst>
-          </p:cNvPr>
+          <p:cNvPr id="7" name="箭头: 右 6"/>
           <p:cNvSpPr/>
           <p:nvPr/>
         </p:nvSpPr>
@@ -19564,20 +19172,14 @@
       </p:sp>
       <p:pic>
         <p:nvPicPr>
-          <p:cNvPr id="9" name="图片 8">
-            <a:extLst>
-              <a:ext uri="{FF2B5EF4-FFF2-40B4-BE49-F238E27FC236}">
-                <a16:creationId xmlns:a16="http://schemas.microsoft.com/office/drawing/2014/main" id="{6EE8F4BC-D460-753D-D904-40900C3018E3}"/>
-              </a:ext>
-            </a:extLst>
-          </p:cNvPr>
+          <p:cNvPr id="9" name="图片 8"/>
           <p:cNvPicPr>
             <a:picLocks noChangeAspect="1"/>
           </p:cNvPicPr>
           <p:nvPr/>
         </p:nvPicPr>
         <p:blipFill>
-          <a:blip r:embed="rId4"/>
+          <a:blip r:embed="rId3"/>
           <a:stretch>
             <a:fillRect/>
           </a:stretch>
@@ -19593,11 +19195,6 @@
         </p:spPr>
       </p:pic>
     </p:spTree>
-    <p:extLst>
-      <p:ext uri="{BB962C8B-B14F-4D97-AF65-F5344CB8AC3E}">
-        <p14:creationId xmlns:p14="http://schemas.microsoft.com/office/powerpoint/2010/main" val="794351480"/>
-      </p:ext>
-    </p:extLst>
   </p:cSld>
   <p:clrMapOvr>
     <a:masterClrMapping/>
@@ -20216,8 +19813,8 @@
           </a:p>
         </p:txBody>
       </p:sp>
-      <mc:AlternateContent xmlns:mc="http://schemas.openxmlformats.org/markup-compatibility/2006" xmlns:a14="http://schemas.microsoft.com/office/drawing/2010/main">
-        <mc:Choice Requires="a14">
+      <mc:AlternateContent xmlns:mc="http://schemas.openxmlformats.org/markup-compatibility/2006">
+        <mc:Choice xmlns:a14="http://schemas.microsoft.com/office/drawing/2010/main" Requires="a14">
           <p:sp>
             <p:nvSpPr>
               <p:cNvPr id="3" name="内容占位符 2"/>
@@ -20264,7 +19861,7 @@
                   <a:rPr lang="en-US" altLang="zh-CN">
                     <a:latin typeface="Consolas" panose="020B0609020204030204" pitchFamily="49" charset="0"/>
                   </a:rPr>
-                  <a:t>1</a:t>
+                  <a:t>3</a:t>
                 </a:r>
                 <a:r>
                   <a:rPr lang="zh-CN" altLang="en-US">
@@ -20391,12 +19988,12 @@
             </p:txBody>
           </p:sp>
         </mc:Choice>
-        <mc:Fallback xmlns="">
+        <mc:Fallback>
           <p:sp>
             <p:nvSpPr>
               <p:cNvPr id="3" name="内容占位符 2"/>
               <p:cNvSpPr>
-                <a:spLocks noGrp="1" noRot="1" noChangeAspect="1" noMove="1" noResize="1" noEditPoints="1" noAdjustHandles="1" noChangeArrowheads="1" noChangeShapeType="1" noTextEdit="1"/>
+                <a:spLocks noRot="1" noChangeAspect="1" noMove="1" noResize="1" noEditPoints="1" noAdjustHandles="1" noChangeArrowheads="1" noChangeShapeType="1" noTextEdit="1"/>
               </p:cNvSpPr>
               <p:nvPr>
                 <p:ph sz="quarter" idx="1"/>
@@ -20407,10 +20004,10 @@
                 <a:off x="591127" y="1200727"/>
                 <a:ext cx="10972800" cy="4937760"/>
               </a:xfrm>
-              <a:blipFill>
-                <a:blip r:embed="rId2"/>
+              <a:blipFill rotWithShape="1">
+                <a:blip r:embed="rId1"/>
                 <a:stretch>
-                  <a:fillRect l="-1000" t="-1111"/>
+                  <a:fillRect l="-5" t="-12" r="5" b="12"/>
                 </a:stretch>
               </a:blipFill>
             </p:spPr>
@@ -20431,20 +20028,14 @@
       </mc:AlternateContent>
       <p:pic>
         <p:nvPicPr>
-          <p:cNvPr id="6" name="图片 5">
-            <a:extLst>
-              <a:ext uri="{FF2B5EF4-FFF2-40B4-BE49-F238E27FC236}">
-                <a16:creationId xmlns:a16="http://schemas.microsoft.com/office/drawing/2014/main" id="{7F98738E-6F86-7888-00B5-19585FB569A6}"/>
-              </a:ext>
-            </a:extLst>
-          </p:cNvPr>
+          <p:cNvPr id="6" name="图片 5"/>
           <p:cNvPicPr>
             <a:picLocks noChangeAspect="1"/>
           </p:cNvPicPr>
           <p:nvPr/>
         </p:nvPicPr>
         <p:blipFill>
-          <a:blip r:embed="rId3"/>
+          <a:blip r:embed="rId2"/>
           <a:stretch>
             <a:fillRect/>
           </a:stretch>
@@ -20461,13 +20052,7 @@
       </p:pic>
       <p:sp>
         <p:nvSpPr>
-          <p:cNvPr id="7" name="文本框 6">
-            <a:extLst>
-              <a:ext uri="{FF2B5EF4-FFF2-40B4-BE49-F238E27FC236}">
-                <a16:creationId xmlns:a16="http://schemas.microsoft.com/office/drawing/2014/main" id="{758DA13E-9EB7-411A-7646-A9635EB83649}"/>
-              </a:ext>
-            </a:extLst>
-          </p:cNvPr>
+          <p:cNvPr id="7" name="文本框 6"/>
           <p:cNvSpPr txBox="1"/>
           <p:nvPr/>
         </p:nvSpPr>
@@ -20598,6 +20183,13 @@
               </a:rPr>
               <a:t>与一下，去冗即可</a:t>
             </a:r>
+            <a:endParaRPr lang="zh-CN" altLang="en-US" i="0">
+              <a:effectLst/>
+              <a:highlight>
+                <a:srgbClr val="FFFFFF"/>
+              </a:highlight>
+              <a:latin typeface="+mn-ea"/>
+            </a:endParaRPr>
           </a:p>
           <a:p>
             <a:pPr algn="l"/>
@@ -20631,6 +20223,13 @@
               </a:rPr>
               <a:t>的子集，由于降序从而任意两个状态不重复，即任意子集状态均可达</a:t>
             </a:r>
+            <a:endParaRPr lang="zh-CN" altLang="en-US" i="0">
+              <a:effectLst/>
+              <a:highlight>
+                <a:srgbClr val="FFFFFF"/>
+              </a:highlight>
+              <a:latin typeface="+mn-ea"/>
+            </a:endParaRPr>
           </a:p>
           <a:p>
             <a:endParaRPr lang="zh-CN" altLang="en-US">
@@ -20640,11 +20239,6 @@
         </p:txBody>
       </p:sp>
     </p:spTree>
-    <p:extLst>
-      <p:ext uri="{BB962C8B-B14F-4D97-AF65-F5344CB8AC3E}">
-        <p14:creationId xmlns:p14="http://schemas.microsoft.com/office/powerpoint/2010/main" val="505377303"/>
-      </p:ext>
-    </p:extLst>
   </p:cSld>
   <p:clrMapOvr>
     <a:masterClrMapping/>
@@ -21227,6 +20821,12 @@
     </p:bldLst>
   </p:timing>
 </p:sld>
+</file>
+
+<file path=ppt/tags/tag1.xml><?xml version="1.0" encoding="utf-8"?>
+<p:tagLst xmlns:p="http://schemas.openxmlformats.org/presentationml/2006/main">
+  <p:tag name="commondata" val="eyJoZGlkIjoiNjZiZjdkMThlNTY5ZTJkZTkyYmMyYTc1MTQyNmIwODAifQ=="/>
+</p:tagLst>
 </file>
 
 <file path=ppt/theme/theme1.xml><?xml version="1.0" encoding="utf-8"?>
@@ -21556,11 +21156,9 @@
       </a:bgFillStyleLst>
     </a:fmtScheme>
   </a:themeElements>
-  <a:objectDefaults/>
-  <a:extraClrSchemeLst/>
   <a:extLst>
     <a:ext uri="{05A4C25C-085E-4340-85A3-A5531E510DB2}">
-      <thm15:themeFamily xmlns:thm15="http://schemas.microsoft.com/office/thememl/2012/main" name="主题1" id="{0F6578EE-EA9D-4485-A6ED-A19452A54D44}" vid="{BB56E80B-FAA9-42BD-9C7F-61A95342C87C}"/>
+      <thm15:themeFamily xmlns:thm15="http://schemas.microsoft.com/office/thememl/2012/main" name="Office Theme" id="{62F939B6-93AF-4DB8-9C6B-D6C7DFDC589F}" vid="{4A3C46E8-61CC-4603-A589-7422A47A8E4A}"/>
     </a:ext>
   </a:extLst>
 </a:theme>

--- a/wd/深度优先搜索及其优化.pptx
+++ b/wd/深度优先搜索及其优化.pptx
@@ -11298,7 +11298,7 @@
                 </a:highlight>
                 <a:latin typeface="KaTeX_Main"/>
               </a:rPr>
-              <a:t>66</a:t>
+              <a:t>6</a:t>
             </a:r>
             <a:r>
               <a:rPr lang="zh-CN" altLang="en-US" sz="2400" b="0" i="0">
@@ -11318,7 +11318,7 @@
                 </a:highlight>
                 <a:latin typeface="KaTeX_Main"/>
               </a:rPr>
-              <a:t>88</a:t>
+              <a:t>8</a:t>
             </a:r>
             <a:r>
               <a:rPr lang="zh-CN" altLang="en-US" sz="2400" b="0" i="0">
@@ -11399,6 +11399,15 @@
                 <a:latin typeface="KaTeX_Main"/>
               </a:rPr>
               <a:t>[1,100</a:t>
+            </a:r>
+            <a:r>
+              <a:rPr lang="en-US" altLang="zh-CN" sz="2400">
+                <a:highlight>
+                  <a:srgbClr val="FFFFFF"/>
+                </a:highlight>
+                <a:latin typeface="KaTeX_Main"/>
+              </a:rPr>
+              <a:t>]</a:t>
             </a:r>
             <a:r>
               <a:rPr lang="zh-CN" altLang="en-US" sz="2400" b="0" i="0">
@@ -19337,8 +19346,8 @@
           </a:p>
         </p:txBody>
       </p:sp>
-      <mc:AlternateContent xmlns:mc="http://schemas.openxmlformats.org/markup-compatibility/2006" xmlns:a14="http://schemas.microsoft.com/office/drawing/2010/main">
-        <mc:Choice Requires="a14">
+      <mc:AlternateContent xmlns:mc="http://schemas.openxmlformats.org/markup-compatibility/2006">
+        <mc:Choice xmlns:a14="http://schemas.microsoft.com/office/drawing/2010/main" Requires="a14">
           <p:sp>
             <p:nvSpPr>
               <p:cNvPr id="3" name="内容占位符 2"/>
@@ -19380,7 +19389,7 @@
                   <a:rPr lang="en-US" altLang="zh-CN">
                     <a:latin typeface="Consolas" panose="020B0609020204030204" pitchFamily="49" charset="0"/>
                   </a:rPr>
-                  <a:t>1</a:t>
+                  <a:t>2</a:t>
                 </a:r>
                 <a:r>
                   <a:rPr lang="zh-CN" altLang="en-US">
@@ -19449,7 +19458,7 @@
             </p:txBody>
           </p:sp>
         </mc:Choice>
-        <mc:Fallback xmlns="">
+        <mc:Fallback>
           <p:sp>
             <p:nvSpPr>
               <p:cNvPr id="3" name="内容占位符 2"/>
@@ -20216,8 +20225,8 @@
           </a:p>
         </p:txBody>
       </p:sp>
-      <mc:AlternateContent xmlns:mc="http://schemas.openxmlformats.org/markup-compatibility/2006" xmlns:a14="http://schemas.microsoft.com/office/drawing/2010/main">
-        <mc:Choice Requires="a14">
+      <mc:AlternateContent xmlns:mc="http://schemas.openxmlformats.org/markup-compatibility/2006">
+        <mc:Choice xmlns:a14="http://schemas.microsoft.com/office/drawing/2010/main" Requires="a14">
           <p:sp>
             <p:nvSpPr>
               <p:cNvPr id="3" name="内容占位符 2"/>
@@ -20264,7 +20273,7 @@
                   <a:rPr lang="en-US" altLang="zh-CN">
                     <a:latin typeface="Consolas" panose="020B0609020204030204" pitchFamily="49" charset="0"/>
                   </a:rPr>
-                  <a:t>1</a:t>
+                  <a:t>3</a:t>
                 </a:r>
                 <a:r>
                   <a:rPr lang="zh-CN" altLang="en-US">
@@ -20391,7 +20400,7 @@
             </p:txBody>
           </p:sp>
         </mc:Choice>
-        <mc:Fallback xmlns="">
+        <mc:Fallback>
           <p:sp>
             <p:nvSpPr>
               <p:cNvPr id="3" name="内容占位符 2"/>
